--- a/DevOps-Playground-Intro-Slides.pptx
+++ b/DevOps-Playground-Intro-Slides.pptx
@@ -4,16 +4,20 @@
   <p:sldMasterIdLst>
     <p:sldMasterId id="2147483648" r:id="rId4"/>
   </p:sldMasterIdLst>
+  <p:notesMasterIdLst>
+    <p:notesMasterId r:id="rId15"/>
+  </p:notesMasterIdLst>
   <p:sldIdLst>
     <p:sldId id="256" r:id="rId5"/>
     <p:sldId id="258" r:id="rId6"/>
     <p:sldId id="257" r:id="rId7"/>
     <p:sldId id="261" r:id="rId8"/>
-    <p:sldId id="259" r:id="rId9"/>
-    <p:sldId id="262" r:id="rId10"/>
-    <p:sldId id="267" r:id="rId11"/>
-    <p:sldId id="268" r:id="rId12"/>
-    <p:sldId id="263" r:id="rId13"/>
+    <p:sldId id="269" r:id="rId9"/>
+    <p:sldId id="259" r:id="rId10"/>
+    <p:sldId id="262" r:id="rId11"/>
+    <p:sldId id="267" r:id="rId12"/>
+    <p:sldId id="268" r:id="rId13"/>
+    <p:sldId id="263" r:id="rId14"/>
   </p:sldIdLst>
   <p:sldSz cx="12192000" cy="6858000"/>
   <p:notesSz cx="6858000" cy="9144000"/>
@@ -126,6 +130,440 @@
     <p1510:client id="{794F79D8-0287-0643-86B2-86FABB4FA9F5}" v="564" dt="2018-11-06T14:38:53.258"/>
   </p1510:revLst>
 </p1510:revInfo>
+</file>
+
+<file path=ppt/notesMasters/notesMaster1.xml><?xml version="1.0" encoding="utf-8"?>
+<p:notesMaster xmlns:a="http://schemas.openxmlformats.org/drawingml/2006/main" xmlns:r="http://schemas.openxmlformats.org/officeDocument/2006/relationships" xmlns:p="http://schemas.openxmlformats.org/presentationml/2006/main">
+  <p:cSld>
+    <p:bg>
+      <p:bgRef idx="1001">
+        <a:schemeClr val="bg1"/>
+      </p:bgRef>
+    </p:bg>
+    <p:spTree>
+      <p:nvGrpSpPr>
+        <p:cNvPr id="1" name=""/>
+        <p:cNvGrpSpPr/>
+        <p:nvPr/>
+      </p:nvGrpSpPr>
+      <p:grpSpPr>
+        <a:xfrm>
+          <a:off x="0" y="0"/>
+          <a:ext cx="0" cy="0"/>
+          <a:chOff x="0" y="0"/>
+          <a:chExt cx="0" cy="0"/>
+        </a:xfrm>
+      </p:grpSpPr>
+      <p:sp>
+        <p:nvSpPr>
+          <p:cNvPr id="2" name="Header Placeholder 1"/>
+          <p:cNvSpPr>
+            <a:spLocks noGrp="1"/>
+          </p:cNvSpPr>
+          <p:nvPr>
+            <p:ph type="hdr" sz="quarter"/>
+          </p:nvPr>
+        </p:nvSpPr>
+        <p:spPr>
+          <a:xfrm>
+            <a:off x="0" y="0"/>
+            <a:ext cx="2971800" cy="458788"/>
+          </a:xfrm>
+          <a:prstGeom prst="rect">
+            <a:avLst/>
+          </a:prstGeom>
+        </p:spPr>
+        <p:txBody>
+          <a:bodyPr vert="horz" lIns="91440" tIns="45720" rIns="91440" bIns="45720" rtlCol="0"/>
+          <a:lstStyle>
+            <a:lvl1pPr algn="l">
+              <a:defRPr sz="1200"/>
+            </a:lvl1pPr>
+          </a:lstStyle>
+          <a:p>
+            <a:endParaRPr lang="en-US"/>
+          </a:p>
+        </p:txBody>
+      </p:sp>
+      <p:sp>
+        <p:nvSpPr>
+          <p:cNvPr id="3" name="Date Placeholder 2"/>
+          <p:cNvSpPr>
+            <a:spLocks noGrp="1"/>
+          </p:cNvSpPr>
+          <p:nvPr>
+            <p:ph type="dt" idx="1"/>
+          </p:nvPr>
+        </p:nvSpPr>
+        <p:spPr>
+          <a:xfrm>
+            <a:off x="3884613" y="0"/>
+            <a:ext cx="2971800" cy="458788"/>
+          </a:xfrm>
+          <a:prstGeom prst="rect">
+            <a:avLst/>
+          </a:prstGeom>
+        </p:spPr>
+        <p:txBody>
+          <a:bodyPr vert="horz" lIns="91440" tIns="45720" rIns="91440" bIns="45720" rtlCol="0"/>
+          <a:lstStyle>
+            <a:lvl1pPr algn="r">
+              <a:defRPr sz="1200"/>
+            </a:lvl1pPr>
+          </a:lstStyle>
+          <a:p>
+            <a:fld id="{FAEBB64D-77ED-2744-AAA6-E290C1B474E9}" type="datetimeFigureOut">
+              <a:rPr lang="en-US" smtClean="0"/>
+              <a:t>5/21/20</a:t>
+            </a:fld>
+            <a:endParaRPr lang="en-US"/>
+          </a:p>
+        </p:txBody>
+      </p:sp>
+      <p:sp>
+        <p:nvSpPr>
+          <p:cNvPr id="4" name="Slide Image Placeholder 3"/>
+          <p:cNvSpPr>
+            <a:spLocks noGrp="1" noRot="1" noChangeAspect="1"/>
+          </p:cNvSpPr>
+          <p:nvPr>
+            <p:ph type="sldImg" idx="2"/>
+          </p:nvPr>
+        </p:nvSpPr>
+        <p:spPr>
+          <a:xfrm>
+            <a:off x="685800" y="1143000"/>
+            <a:ext cx="5486400" cy="3086100"/>
+          </a:xfrm>
+          <a:prstGeom prst="rect">
+            <a:avLst/>
+          </a:prstGeom>
+          <a:noFill/>
+          <a:ln w="12700">
+            <a:solidFill>
+              <a:prstClr val="black"/>
+            </a:solidFill>
+          </a:ln>
+        </p:spPr>
+        <p:txBody>
+          <a:bodyPr vert="horz" lIns="91440" tIns="45720" rIns="91440" bIns="45720" rtlCol="0" anchor="ctr"/>
+          <a:lstStyle/>
+          <a:p>
+            <a:endParaRPr lang="en-US"/>
+          </a:p>
+        </p:txBody>
+      </p:sp>
+      <p:sp>
+        <p:nvSpPr>
+          <p:cNvPr id="5" name="Notes Placeholder 4"/>
+          <p:cNvSpPr>
+            <a:spLocks noGrp="1"/>
+          </p:cNvSpPr>
+          <p:nvPr>
+            <p:ph type="body" sz="quarter" idx="3"/>
+          </p:nvPr>
+        </p:nvSpPr>
+        <p:spPr>
+          <a:xfrm>
+            <a:off x="685800" y="4400550"/>
+            <a:ext cx="5486400" cy="3600450"/>
+          </a:xfrm>
+          <a:prstGeom prst="rect">
+            <a:avLst/>
+          </a:prstGeom>
+        </p:spPr>
+        <p:txBody>
+          <a:bodyPr vert="horz" lIns="91440" tIns="45720" rIns="91440" bIns="45720" rtlCol="0"/>
+          <a:lstStyle/>
+          <a:p>
+            <a:pPr lvl="0"/>
+            <a:r>
+              <a:rPr lang="en-GB"/>
+              <a:t>Click to edit Master text styles</a:t>
+            </a:r>
+          </a:p>
+          <a:p>
+            <a:pPr lvl="1"/>
+            <a:r>
+              <a:rPr lang="en-GB"/>
+              <a:t>Second level</a:t>
+            </a:r>
+          </a:p>
+          <a:p>
+            <a:pPr lvl="2"/>
+            <a:r>
+              <a:rPr lang="en-GB"/>
+              <a:t>Third level</a:t>
+            </a:r>
+          </a:p>
+          <a:p>
+            <a:pPr lvl="3"/>
+            <a:r>
+              <a:rPr lang="en-GB"/>
+              <a:t>Fourth level</a:t>
+            </a:r>
+          </a:p>
+          <a:p>
+            <a:pPr lvl="4"/>
+            <a:r>
+              <a:rPr lang="en-GB"/>
+              <a:t>Fifth level</a:t>
+            </a:r>
+            <a:endParaRPr lang="en-US"/>
+          </a:p>
+        </p:txBody>
+      </p:sp>
+      <p:sp>
+        <p:nvSpPr>
+          <p:cNvPr id="6" name="Footer Placeholder 5"/>
+          <p:cNvSpPr>
+            <a:spLocks noGrp="1"/>
+          </p:cNvSpPr>
+          <p:nvPr>
+            <p:ph type="ftr" sz="quarter" idx="4"/>
+          </p:nvPr>
+        </p:nvSpPr>
+        <p:spPr>
+          <a:xfrm>
+            <a:off x="0" y="8685213"/>
+            <a:ext cx="2971800" cy="458787"/>
+          </a:xfrm>
+          <a:prstGeom prst="rect">
+            <a:avLst/>
+          </a:prstGeom>
+        </p:spPr>
+        <p:txBody>
+          <a:bodyPr vert="horz" lIns="91440" tIns="45720" rIns="91440" bIns="45720" rtlCol="0" anchor="b"/>
+          <a:lstStyle>
+            <a:lvl1pPr algn="l">
+              <a:defRPr sz="1200"/>
+            </a:lvl1pPr>
+          </a:lstStyle>
+          <a:p>
+            <a:endParaRPr lang="en-US"/>
+          </a:p>
+        </p:txBody>
+      </p:sp>
+      <p:sp>
+        <p:nvSpPr>
+          <p:cNvPr id="7" name="Slide Number Placeholder 6"/>
+          <p:cNvSpPr>
+            <a:spLocks noGrp="1"/>
+          </p:cNvSpPr>
+          <p:nvPr>
+            <p:ph type="sldNum" sz="quarter" idx="5"/>
+          </p:nvPr>
+        </p:nvSpPr>
+        <p:spPr>
+          <a:xfrm>
+            <a:off x="3884613" y="8685213"/>
+            <a:ext cx="2971800" cy="458787"/>
+          </a:xfrm>
+          <a:prstGeom prst="rect">
+            <a:avLst/>
+          </a:prstGeom>
+        </p:spPr>
+        <p:txBody>
+          <a:bodyPr vert="horz" lIns="91440" tIns="45720" rIns="91440" bIns="45720" rtlCol="0" anchor="b"/>
+          <a:lstStyle>
+            <a:lvl1pPr algn="r">
+              <a:defRPr sz="1200"/>
+            </a:lvl1pPr>
+          </a:lstStyle>
+          <a:p>
+            <a:fld id="{B2D615E9-B0A0-4E4D-9804-AA4D8DF144C9}" type="slidenum">
+              <a:rPr lang="en-US" smtClean="0"/>
+              <a:t>‹#›</a:t>
+            </a:fld>
+            <a:endParaRPr lang="en-US"/>
+          </a:p>
+        </p:txBody>
+      </p:sp>
+    </p:spTree>
+    <p:extLst>
+      <p:ext uri="{BB962C8B-B14F-4D97-AF65-F5344CB8AC3E}">
+        <p14:creationId xmlns:p14="http://schemas.microsoft.com/office/powerpoint/2010/main" val="936364344"/>
+      </p:ext>
+    </p:extLst>
+  </p:cSld>
+  <p:clrMap bg1="lt1" tx1="dk1" bg2="lt2" tx2="dk2" accent1="accent1" accent2="accent2" accent3="accent3" accent4="accent4" accent5="accent5" accent6="accent6" hlink="hlink" folHlink="folHlink"/>
+  <p:notesStyle>
+    <a:lvl1pPr marL="0" algn="l" defTabSz="914400" rtl="0" eaLnBrk="1" latinLnBrk="0" hangingPunct="1">
+      <a:defRPr sz="1200" kern="1200">
+        <a:solidFill>
+          <a:schemeClr val="tx1"/>
+        </a:solidFill>
+        <a:latin typeface="+mn-lt"/>
+        <a:ea typeface="+mn-ea"/>
+        <a:cs typeface="+mn-cs"/>
+      </a:defRPr>
+    </a:lvl1pPr>
+    <a:lvl2pPr marL="457200" algn="l" defTabSz="914400" rtl="0" eaLnBrk="1" latinLnBrk="0" hangingPunct="1">
+      <a:defRPr sz="1200" kern="1200">
+        <a:solidFill>
+          <a:schemeClr val="tx1"/>
+        </a:solidFill>
+        <a:latin typeface="+mn-lt"/>
+        <a:ea typeface="+mn-ea"/>
+        <a:cs typeface="+mn-cs"/>
+      </a:defRPr>
+    </a:lvl2pPr>
+    <a:lvl3pPr marL="914400" algn="l" defTabSz="914400" rtl="0" eaLnBrk="1" latinLnBrk="0" hangingPunct="1">
+      <a:defRPr sz="1200" kern="1200">
+        <a:solidFill>
+          <a:schemeClr val="tx1"/>
+        </a:solidFill>
+        <a:latin typeface="+mn-lt"/>
+        <a:ea typeface="+mn-ea"/>
+        <a:cs typeface="+mn-cs"/>
+      </a:defRPr>
+    </a:lvl3pPr>
+    <a:lvl4pPr marL="1371600" algn="l" defTabSz="914400" rtl="0" eaLnBrk="1" latinLnBrk="0" hangingPunct="1">
+      <a:defRPr sz="1200" kern="1200">
+        <a:solidFill>
+          <a:schemeClr val="tx1"/>
+        </a:solidFill>
+        <a:latin typeface="+mn-lt"/>
+        <a:ea typeface="+mn-ea"/>
+        <a:cs typeface="+mn-cs"/>
+      </a:defRPr>
+    </a:lvl4pPr>
+    <a:lvl5pPr marL="1828800" algn="l" defTabSz="914400" rtl="0" eaLnBrk="1" latinLnBrk="0" hangingPunct="1">
+      <a:defRPr sz="1200" kern="1200">
+        <a:solidFill>
+          <a:schemeClr val="tx1"/>
+        </a:solidFill>
+        <a:latin typeface="+mn-lt"/>
+        <a:ea typeface="+mn-ea"/>
+        <a:cs typeface="+mn-cs"/>
+      </a:defRPr>
+    </a:lvl5pPr>
+    <a:lvl6pPr marL="2286000" algn="l" defTabSz="914400" rtl="0" eaLnBrk="1" latinLnBrk="0" hangingPunct="1">
+      <a:defRPr sz="1200" kern="1200">
+        <a:solidFill>
+          <a:schemeClr val="tx1"/>
+        </a:solidFill>
+        <a:latin typeface="+mn-lt"/>
+        <a:ea typeface="+mn-ea"/>
+        <a:cs typeface="+mn-cs"/>
+      </a:defRPr>
+    </a:lvl6pPr>
+    <a:lvl7pPr marL="2743200" algn="l" defTabSz="914400" rtl="0" eaLnBrk="1" latinLnBrk="0" hangingPunct="1">
+      <a:defRPr sz="1200" kern="1200">
+        <a:solidFill>
+          <a:schemeClr val="tx1"/>
+        </a:solidFill>
+        <a:latin typeface="+mn-lt"/>
+        <a:ea typeface="+mn-ea"/>
+        <a:cs typeface="+mn-cs"/>
+      </a:defRPr>
+    </a:lvl7pPr>
+    <a:lvl8pPr marL="3200400" algn="l" defTabSz="914400" rtl="0" eaLnBrk="1" latinLnBrk="0" hangingPunct="1">
+      <a:defRPr sz="1200" kern="1200">
+        <a:solidFill>
+          <a:schemeClr val="tx1"/>
+        </a:solidFill>
+        <a:latin typeface="+mn-lt"/>
+        <a:ea typeface="+mn-ea"/>
+        <a:cs typeface="+mn-cs"/>
+      </a:defRPr>
+    </a:lvl8pPr>
+    <a:lvl9pPr marL="3657600" algn="l" defTabSz="914400" rtl="0" eaLnBrk="1" latinLnBrk="0" hangingPunct="1">
+      <a:defRPr sz="1200" kern="1200">
+        <a:solidFill>
+          <a:schemeClr val="tx1"/>
+        </a:solidFill>
+        <a:latin typeface="+mn-lt"/>
+        <a:ea typeface="+mn-ea"/>
+        <a:cs typeface="+mn-cs"/>
+      </a:defRPr>
+    </a:lvl9pPr>
+  </p:notesStyle>
+</p:notesMaster>
+</file>
+
+<file path=ppt/notesSlides/notesSlide1.xml><?xml version="1.0" encoding="utf-8"?>
+<p:notes xmlns:a="http://schemas.openxmlformats.org/drawingml/2006/main" xmlns:r="http://schemas.openxmlformats.org/officeDocument/2006/relationships" xmlns:p="http://schemas.openxmlformats.org/presentationml/2006/main">
+  <p:cSld>
+    <p:spTree>
+      <p:nvGrpSpPr>
+        <p:cNvPr id="1" name=""/>
+        <p:cNvGrpSpPr/>
+        <p:nvPr/>
+      </p:nvGrpSpPr>
+      <p:grpSpPr>
+        <a:xfrm>
+          <a:off x="0" y="0"/>
+          <a:ext cx="0" cy="0"/>
+          <a:chOff x="0" y="0"/>
+          <a:chExt cx="0" cy="0"/>
+        </a:xfrm>
+      </p:grpSpPr>
+      <p:sp>
+        <p:nvSpPr>
+          <p:cNvPr id="2" name="Slide Image Placeholder 1"/>
+          <p:cNvSpPr>
+            <a:spLocks noGrp="1" noRot="1" noChangeAspect="1"/>
+          </p:cNvSpPr>
+          <p:nvPr>
+            <p:ph type="sldImg"/>
+          </p:nvPr>
+        </p:nvSpPr>
+        <p:spPr/>
+      </p:sp>
+      <p:sp>
+        <p:nvSpPr>
+          <p:cNvPr id="3" name="Notes Placeholder 2"/>
+          <p:cNvSpPr>
+            <a:spLocks noGrp="1"/>
+          </p:cNvSpPr>
+          <p:nvPr>
+            <p:ph type="body" idx="1"/>
+          </p:nvPr>
+        </p:nvSpPr>
+        <p:spPr/>
+        <p:txBody>
+          <a:bodyPr/>
+          <a:lstStyle/>
+          <a:p>
+            <a:endParaRPr lang="en-US" dirty="0"/>
+          </a:p>
+        </p:txBody>
+      </p:sp>
+      <p:sp>
+        <p:nvSpPr>
+          <p:cNvPr id="4" name="Slide Number Placeholder 3"/>
+          <p:cNvSpPr>
+            <a:spLocks noGrp="1"/>
+          </p:cNvSpPr>
+          <p:nvPr>
+            <p:ph type="sldNum" sz="quarter" idx="5"/>
+          </p:nvPr>
+        </p:nvSpPr>
+        <p:spPr/>
+        <p:txBody>
+          <a:bodyPr/>
+          <a:lstStyle/>
+          <a:p>
+            <a:fld id="{B2D615E9-B0A0-4E4D-9804-AA4D8DF144C9}" type="slidenum">
+              <a:rPr lang="en-US" smtClean="0"/>
+              <a:t>5</a:t>
+            </a:fld>
+            <a:endParaRPr lang="en-US"/>
+          </a:p>
+        </p:txBody>
+      </p:sp>
+    </p:spTree>
+    <p:extLst>
+      <p:ext uri="{BB962C8B-B14F-4D97-AF65-F5344CB8AC3E}">
+        <p14:creationId xmlns:p14="http://schemas.microsoft.com/office/powerpoint/2010/main" val="2012523951"/>
+      </p:ext>
+    </p:extLst>
+  </p:cSld>
+  <p:clrMapOvr>
+    <a:masterClrMapping/>
+  </p:clrMapOvr>
+</p:notes>
 </file>
 
 <file path=ppt/slideLayouts/slideLayout1.xml><?xml version="1.0" encoding="utf-8"?>
@@ -2933,6 +3371,136 @@
 </p:sld>
 </file>
 
+<file path=ppt/slides/slide10.xml><?xml version="1.0" encoding="utf-8"?>
+<p:sld xmlns:a="http://schemas.openxmlformats.org/drawingml/2006/main" xmlns:r="http://schemas.openxmlformats.org/officeDocument/2006/relationships" xmlns:p="http://schemas.openxmlformats.org/presentationml/2006/main">
+  <p:cSld>
+    <p:spTree>
+      <p:nvGrpSpPr>
+        <p:cNvPr id="1" name=""/>
+        <p:cNvGrpSpPr/>
+        <p:nvPr/>
+      </p:nvGrpSpPr>
+      <p:grpSpPr>
+        <a:xfrm>
+          <a:off x="0" y="0"/>
+          <a:ext cx="0" cy="0"/>
+          <a:chOff x="0" y="0"/>
+          <a:chExt cx="0" cy="0"/>
+        </a:xfrm>
+      </p:grpSpPr>
+      <p:sp>
+        <p:nvSpPr>
+          <p:cNvPr id="4" name="Title 3">
+            <a:extLst>
+              <a:ext uri="{FF2B5EF4-FFF2-40B4-BE49-F238E27FC236}">
+                <a16:creationId xmlns:a16="http://schemas.microsoft.com/office/drawing/2014/main" id="{2E2B2ABD-F3FB-CC49-BA43-F7C575DD41BE}"/>
+              </a:ext>
+            </a:extLst>
+          </p:cNvPr>
+          <p:cNvSpPr>
+            <a:spLocks noGrp="1"/>
+          </p:cNvSpPr>
+          <p:nvPr>
+            <p:ph type="ctrTitle"/>
+          </p:nvPr>
+        </p:nvSpPr>
+        <p:spPr>
+          <a:xfrm>
+            <a:off x="1524000" y="1041400"/>
+            <a:ext cx="9144000" cy="2387600"/>
+          </a:xfrm>
+        </p:spPr>
+        <p:txBody>
+          <a:bodyPr>
+            <a:normAutofit/>
+          </a:bodyPr>
+          <a:lstStyle/>
+          <a:p>
+            <a:r>
+              <a:rPr lang="en-US" sz="7200" dirty="0"/>
+              <a:t>     Thank you</a:t>
+            </a:r>
+          </a:p>
+        </p:txBody>
+      </p:sp>
+      <p:sp>
+        <p:nvSpPr>
+          <p:cNvPr id="5" name="Subtitle 4">
+            <a:extLst>
+              <a:ext uri="{FF2B5EF4-FFF2-40B4-BE49-F238E27FC236}">
+                <a16:creationId xmlns:a16="http://schemas.microsoft.com/office/drawing/2014/main" id="{8E02B9BF-0B33-1749-9A07-D42508A9A719}"/>
+              </a:ext>
+            </a:extLst>
+          </p:cNvPr>
+          <p:cNvSpPr>
+            <a:spLocks noGrp="1"/>
+          </p:cNvSpPr>
+          <p:nvPr>
+            <p:ph type="subTitle" idx="1"/>
+          </p:nvPr>
+        </p:nvSpPr>
+        <p:spPr>
+          <a:xfrm>
+            <a:off x="1524000" y="3382759"/>
+            <a:ext cx="9144000" cy="1655762"/>
+          </a:xfrm>
+        </p:spPr>
+        <p:txBody>
+          <a:bodyPr>
+            <a:normAutofit/>
+          </a:bodyPr>
+          <a:lstStyle/>
+          <a:p>
+            <a:r>
+              <a:rPr lang="en-US" sz="3100" dirty="0"/>
+              <a:t>Any questions? Stay for a chat!</a:t>
+            </a:r>
+          </a:p>
+        </p:txBody>
+      </p:sp>
+      <p:pic>
+        <p:nvPicPr>
+          <p:cNvPr id="6" name="Picture 5">
+            <a:extLst>
+              <a:ext uri="{FF2B5EF4-FFF2-40B4-BE49-F238E27FC236}">
+                <a16:creationId xmlns:a16="http://schemas.microsoft.com/office/drawing/2014/main" id="{95BBB9EE-7630-294F-B5F3-59D07A16EF67}"/>
+              </a:ext>
+            </a:extLst>
+          </p:cNvPr>
+          <p:cNvPicPr>
+            <a:picLocks noChangeAspect="1"/>
+          </p:cNvPicPr>
+          <p:nvPr/>
+        </p:nvPicPr>
+        <p:blipFill>
+          <a:blip r:embed="rId2"/>
+          <a:stretch>
+            <a:fillRect/>
+          </a:stretch>
+        </p:blipFill>
+        <p:spPr>
+          <a:xfrm>
+            <a:off x="3420534" y="1213709"/>
+            <a:ext cx="1546884" cy="2215291"/>
+          </a:xfrm>
+          <a:prstGeom prst="rect">
+            <a:avLst/>
+          </a:prstGeom>
+        </p:spPr>
+      </p:pic>
+    </p:spTree>
+    <p:extLst>
+      <p:ext uri="{BB962C8B-B14F-4D97-AF65-F5344CB8AC3E}">
+        <p14:creationId xmlns:p14="http://schemas.microsoft.com/office/powerpoint/2010/main" val="387595175"/>
+      </p:ext>
+    </p:extLst>
+  </p:cSld>
+  <p:clrMapOvr>
+    <a:masterClrMapping/>
+  </p:clrMapOvr>
+</p:sld>
+</file>
+
 <file path=ppt/slides/slide2.xml><?xml version="1.0" encoding="utf-8"?>
 <p:sld xmlns:a="http://schemas.openxmlformats.org/drawingml/2006/main" xmlns:r="http://schemas.openxmlformats.org/officeDocument/2006/relationships" xmlns:p="http://schemas.openxmlformats.org/presentationml/2006/main">
   <p:cSld>
@@ -3239,10 +3807,10 @@
       </p:grpSpPr>
       <p:sp>
         <p:nvSpPr>
-          <p:cNvPr id="4" name="Title 3">
-            <a:extLst>
-              <a:ext uri="{FF2B5EF4-FFF2-40B4-BE49-F238E27FC236}">
-                <a16:creationId xmlns:a16="http://schemas.microsoft.com/office/drawing/2014/main" id="{55EEDCC3-B6AC-774A-B3A6-87F25DBC39BC}"/>
+          <p:cNvPr id="9" name="Title 8">
+            <a:extLst>
+              <a:ext uri="{FF2B5EF4-FFF2-40B4-BE49-F238E27FC236}">
+                <a16:creationId xmlns:a16="http://schemas.microsoft.com/office/drawing/2014/main" id="{86482CD7-2BBF-7A40-8B6A-2B4A7DC13918}"/>
               </a:ext>
             </a:extLst>
           </p:cNvPr>
@@ -3250,7 +3818,7 @@
             <a:spLocks noGrp="1"/>
           </p:cNvSpPr>
           <p:nvPr>
-            <p:ph type="ctrTitle"/>
+            <p:ph type="title"/>
           </p:nvPr>
         </p:nvSpPr>
         <p:spPr/>
@@ -3260,17 +3828,31 @@
           <a:p>
             <a:r>
               <a:rPr lang="en-US" dirty="0"/>
-              <a:t>What’s Go?</a:t>
-            </a:r>
-          </a:p>
-        </p:txBody>
-      </p:sp>
-      <p:sp>
-        <p:nvSpPr>
-          <p:cNvPr id="5" name="Subtitle 4">
-            <a:extLst>
-              <a:ext uri="{FF2B5EF4-FFF2-40B4-BE49-F238E27FC236}">
-                <a16:creationId xmlns:a16="http://schemas.microsoft.com/office/drawing/2014/main" id="{CC98E4AE-FE4D-4441-BAD7-281A38C7A8B3}"/>
+              <a:t>Who</a:t>
+            </a:r>
+            <a:br>
+              <a:rPr lang="en-US" dirty="0"/>
+            </a:br>
+            <a:r>
+              <a:rPr lang="en-US" dirty="0"/>
+              <a:t>Am</a:t>
+            </a:r>
+            <a:br>
+              <a:rPr lang="en-US" dirty="0"/>
+            </a:br>
+            <a:r>
+              <a:rPr lang="en-US" dirty="0"/>
+              <a:t>I?</a:t>
+            </a:r>
+          </a:p>
+        </p:txBody>
+      </p:sp>
+      <p:sp>
+        <p:nvSpPr>
+          <p:cNvPr id="10" name="Content Placeholder 9">
+            <a:extLst>
+              <a:ext uri="{FF2B5EF4-FFF2-40B4-BE49-F238E27FC236}">
+                <a16:creationId xmlns:a16="http://schemas.microsoft.com/office/drawing/2014/main" id="{3E44BD7F-C301-B246-A837-5A9132AC45D8}"/>
               </a:ext>
             </a:extLst>
           </p:cNvPr>
@@ -3278,7 +3860,7 @@
             <a:spLocks noGrp="1"/>
           </p:cNvSpPr>
           <p:nvPr>
-            <p:ph type="subTitle" idx="1"/>
+            <p:ph idx="1"/>
           </p:nvPr>
         </p:nvSpPr>
         <p:spPr/>
@@ -3286,14 +3868,66 @@
           <a:bodyPr/>
           <a:lstStyle/>
           <a:p>
-            <a:endParaRPr lang="en-US" dirty="0"/>
+            <a:r>
+              <a:rPr lang="en-GB" b="1" dirty="0"/>
+              <a:t>Artur </a:t>
+            </a:r>
+            <a:r>
+              <a:rPr lang="en-GB" b="1" dirty="0" err="1"/>
+              <a:t>Kondas</a:t>
+            </a:r>
+            <a:endParaRPr lang="en-GB" b="1" dirty="0"/>
+          </a:p>
+          <a:p>
+            <a:endParaRPr lang="en-GB" b="1" dirty="0"/>
+          </a:p>
+          <a:p>
+            <a:pPr marL="457200" indent="-457200">
+              <a:buFont typeface="Arial" panose="020B0604020202020204" pitchFamily="34" charset="0"/>
+              <a:buChar char="•"/>
+            </a:pPr>
+            <a:r>
+              <a:rPr lang="en-GB" b="1" dirty="0"/>
+              <a:t>Go Developer @ ECS Digital</a:t>
+            </a:r>
+          </a:p>
+          <a:p>
+            <a:pPr marL="457200" indent="-457200">
+              <a:buFont typeface="Arial" panose="020B0604020202020204" pitchFamily="34" charset="0"/>
+              <a:buChar char="•"/>
+            </a:pPr>
+            <a:r>
+              <a:rPr lang="en-GB" b="1" dirty="0"/>
+              <a:t>Open Source</a:t>
+            </a:r>
+          </a:p>
+          <a:p>
+            <a:pPr marL="457200" indent="-457200">
+              <a:buFont typeface="Arial" panose="020B0604020202020204" pitchFamily="34" charset="0"/>
+              <a:buChar char="•"/>
+            </a:pPr>
+            <a:r>
+              <a:rPr lang="en-GB" b="1" dirty="0"/>
+              <a:t>Software Generalist</a:t>
+            </a:r>
+          </a:p>
+          <a:p>
+            <a:pPr marL="457200" indent="-457200">
+              <a:buFont typeface="Arial" panose="020B0604020202020204" pitchFamily="34" charset="0"/>
+              <a:buChar char="•"/>
+            </a:pPr>
+            <a:r>
+              <a:rPr lang="en-GB" b="1" dirty="0"/>
+              <a:t>Pizza</a:t>
+            </a:r>
+            <a:endParaRPr lang="en-GB" dirty="0"/>
           </a:p>
         </p:txBody>
       </p:sp>
     </p:spTree>
     <p:extLst>
       <p:ext uri="{BB962C8B-B14F-4D97-AF65-F5344CB8AC3E}">
-        <p14:creationId xmlns:p14="http://schemas.microsoft.com/office/powerpoint/2010/main" val="382650632"/>
+        <p14:creationId xmlns:p14="http://schemas.microsoft.com/office/powerpoint/2010/main" val="1426288600"/>
       </p:ext>
     </p:extLst>
   </p:cSld>
@@ -3322,10 +3956,10 @@
       </p:grpSpPr>
       <p:sp>
         <p:nvSpPr>
-          <p:cNvPr id="9" name="Title 8">
-            <a:extLst>
-              <a:ext uri="{FF2B5EF4-FFF2-40B4-BE49-F238E27FC236}">
-                <a16:creationId xmlns:a16="http://schemas.microsoft.com/office/drawing/2014/main" id="{86482CD7-2BBF-7A40-8B6A-2B4A7DC13918}"/>
+          <p:cNvPr id="4" name="Title 3">
+            <a:extLst>
+              <a:ext uri="{FF2B5EF4-FFF2-40B4-BE49-F238E27FC236}">
+                <a16:creationId xmlns:a16="http://schemas.microsoft.com/office/drawing/2014/main" id="{55EEDCC3-B6AC-774A-B3A6-87F25DBC39BC}"/>
               </a:ext>
             </a:extLst>
           </p:cNvPr>
@@ -3333,7 +3967,7 @@
             <a:spLocks noGrp="1"/>
           </p:cNvSpPr>
           <p:nvPr>
-            <p:ph type="title"/>
+            <p:ph type="ctrTitle"/>
           </p:nvPr>
         </p:nvSpPr>
         <p:spPr/>
@@ -3350,10 +3984,10 @@
       </p:sp>
       <p:sp>
         <p:nvSpPr>
-          <p:cNvPr id="10" name="Content Placeholder 9">
-            <a:extLst>
-              <a:ext uri="{FF2B5EF4-FFF2-40B4-BE49-F238E27FC236}">
-                <a16:creationId xmlns:a16="http://schemas.microsoft.com/office/drawing/2014/main" id="{3E44BD7F-C301-B246-A837-5A9132AC45D8}"/>
+          <p:cNvPr id="5" name="Subtitle 4">
+            <a:extLst>
+              <a:ext uri="{FF2B5EF4-FFF2-40B4-BE49-F238E27FC236}">
+                <a16:creationId xmlns:a16="http://schemas.microsoft.com/office/drawing/2014/main" id="{CC98E4AE-FE4D-4441-BAD7-281A38C7A8B3}"/>
               </a:ext>
             </a:extLst>
           </p:cNvPr>
@@ -3361,7 +3995,7 @@
             <a:spLocks noGrp="1"/>
           </p:cNvSpPr>
           <p:nvPr>
-            <p:ph idx="1"/>
+            <p:ph type="subTitle" idx="1"/>
           </p:nvPr>
         </p:nvSpPr>
         <p:spPr/>
@@ -3369,43 +4003,14 @@
           <a:bodyPr/>
           <a:lstStyle/>
           <a:p>
-            <a:r>
-              <a:rPr lang="en-GB" b="1" dirty="0"/>
-              <a:t>Go</a:t>
-            </a:r>
-            <a:r>
-              <a:rPr lang="en-GB" dirty="0"/>
-              <a:t> (or known also as </a:t>
-            </a:r>
-            <a:r>
-              <a:rPr lang="en-GB" b="1" dirty="0" err="1"/>
-              <a:t>golang</a:t>
-            </a:r>
-            <a:r>
-              <a:rPr lang="en-GB" dirty="0"/>
-              <a:t> because of it's domain) is a statically typed, compiled programming language designed at Google by Robert </a:t>
-            </a:r>
-            <a:r>
-              <a:rPr lang="en-GB" dirty="0" err="1"/>
-              <a:t>Griesemer</a:t>
-            </a:r>
-            <a:r>
-              <a:rPr lang="en-GB" dirty="0"/>
-              <a:t>, Rob Pike, and Ken Thompson.</a:t>
-            </a:r>
-          </a:p>
-          <a:p>
-            <a:r>
-              <a:rPr lang="en-GB" dirty="0"/>
-              <a:t>Nowadays Go is a backbone of multitude of DevOps tools - from Docker, to Terraform or Vault to Kubernetes. Also Prometheus, Helm, Loki, Grafana... The list goes on and on.</a:t>
-            </a:r>
+            <a:endParaRPr lang="en-US" dirty="0"/>
           </a:p>
         </p:txBody>
       </p:sp>
     </p:spTree>
     <p:extLst>
       <p:ext uri="{BB962C8B-B14F-4D97-AF65-F5344CB8AC3E}">
-        <p14:creationId xmlns:p14="http://schemas.microsoft.com/office/powerpoint/2010/main" val="2753433835"/>
+        <p14:creationId xmlns:p14="http://schemas.microsoft.com/office/powerpoint/2010/main" val="382650632"/>
       </p:ext>
     </p:extLst>
   </p:cSld>
@@ -3434,10 +4039,10 @@
       </p:grpSpPr>
       <p:sp>
         <p:nvSpPr>
-          <p:cNvPr id="4" name="Title 3">
-            <a:extLst>
-              <a:ext uri="{FF2B5EF4-FFF2-40B4-BE49-F238E27FC236}">
-                <a16:creationId xmlns:a16="http://schemas.microsoft.com/office/drawing/2014/main" id="{55EEDCC3-B6AC-774A-B3A6-87F25DBC39BC}"/>
+          <p:cNvPr id="9" name="Title 8">
+            <a:extLst>
+              <a:ext uri="{FF2B5EF4-FFF2-40B4-BE49-F238E27FC236}">
+                <a16:creationId xmlns:a16="http://schemas.microsoft.com/office/drawing/2014/main" id="{86482CD7-2BBF-7A40-8B6A-2B4A7DC13918}"/>
               </a:ext>
             </a:extLst>
           </p:cNvPr>
@@ -3445,7 +4050,7 @@
             <a:spLocks noGrp="1"/>
           </p:cNvSpPr>
           <p:nvPr>
-            <p:ph type="ctrTitle"/>
+            <p:ph type="title"/>
           </p:nvPr>
         </p:nvSpPr>
         <p:spPr/>
@@ -3455,17 +4060,17 @@
           <a:p>
             <a:r>
               <a:rPr lang="en-US" dirty="0"/>
-              <a:t>Why Go?</a:t>
-            </a:r>
-          </a:p>
-        </p:txBody>
-      </p:sp>
-      <p:sp>
-        <p:nvSpPr>
-          <p:cNvPr id="5" name="Subtitle 4">
-            <a:extLst>
-              <a:ext uri="{FF2B5EF4-FFF2-40B4-BE49-F238E27FC236}">
-                <a16:creationId xmlns:a16="http://schemas.microsoft.com/office/drawing/2014/main" id="{CC98E4AE-FE4D-4441-BAD7-281A38C7A8B3}"/>
+              <a:t>What’s Go?</a:t>
+            </a:r>
+          </a:p>
+        </p:txBody>
+      </p:sp>
+      <p:sp>
+        <p:nvSpPr>
+          <p:cNvPr id="10" name="Content Placeholder 9">
+            <a:extLst>
+              <a:ext uri="{FF2B5EF4-FFF2-40B4-BE49-F238E27FC236}">
+                <a16:creationId xmlns:a16="http://schemas.microsoft.com/office/drawing/2014/main" id="{3E44BD7F-C301-B246-A837-5A9132AC45D8}"/>
               </a:ext>
             </a:extLst>
           </p:cNvPr>
@@ -3473,7 +4078,7 @@
             <a:spLocks noGrp="1"/>
           </p:cNvSpPr>
           <p:nvPr>
-            <p:ph type="subTitle" idx="1"/>
+            <p:ph idx="1"/>
           </p:nvPr>
         </p:nvSpPr>
         <p:spPr/>
@@ -3481,14 +4086,43 @@
           <a:bodyPr/>
           <a:lstStyle/>
           <a:p>
-            <a:endParaRPr lang="en-US" dirty="0"/>
+            <a:r>
+              <a:rPr lang="en-GB" b="1" dirty="0"/>
+              <a:t>Go</a:t>
+            </a:r>
+            <a:r>
+              <a:rPr lang="en-GB" dirty="0"/>
+              <a:t> (or known also as </a:t>
+            </a:r>
+            <a:r>
+              <a:rPr lang="en-GB" b="1" dirty="0" err="1"/>
+              <a:t>golang</a:t>
+            </a:r>
+            <a:r>
+              <a:rPr lang="en-GB" dirty="0"/>
+              <a:t> because of it's domain) is a statically typed, compiled programming language designed at Google by Robert </a:t>
+            </a:r>
+            <a:r>
+              <a:rPr lang="en-GB" dirty="0" err="1"/>
+              <a:t>Griesemer</a:t>
+            </a:r>
+            <a:r>
+              <a:rPr lang="en-GB" dirty="0"/>
+              <a:t>, Rob Pike, and Ken Thompson.</a:t>
+            </a:r>
+          </a:p>
+          <a:p>
+            <a:r>
+              <a:rPr lang="en-GB" dirty="0"/>
+              <a:t>Nowadays Go is a backbone of multitude of DevOps tools - from Docker, to Terraform or Vault to Kubernetes. Also Prometheus, Helm, Loki, Grafana... The list goes on and on.</a:t>
+            </a:r>
           </a:p>
         </p:txBody>
       </p:sp>
     </p:spTree>
     <p:extLst>
       <p:ext uri="{BB962C8B-B14F-4D97-AF65-F5344CB8AC3E}">
-        <p14:creationId xmlns:p14="http://schemas.microsoft.com/office/powerpoint/2010/main" val="2865321129"/>
+        <p14:creationId xmlns:p14="http://schemas.microsoft.com/office/powerpoint/2010/main" val="2753433835"/>
       </p:ext>
     </p:extLst>
   </p:cSld>
@@ -3517,10 +4151,10 @@
       </p:grpSpPr>
       <p:sp>
         <p:nvSpPr>
-          <p:cNvPr id="9" name="Title 8">
-            <a:extLst>
-              <a:ext uri="{FF2B5EF4-FFF2-40B4-BE49-F238E27FC236}">
-                <a16:creationId xmlns:a16="http://schemas.microsoft.com/office/drawing/2014/main" id="{86482CD7-2BBF-7A40-8B6A-2B4A7DC13918}"/>
+          <p:cNvPr id="4" name="Title 3">
+            <a:extLst>
+              <a:ext uri="{FF2B5EF4-FFF2-40B4-BE49-F238E27FC236}">
+                <a16:creationId xmlns:a16="http://schemas.microsoft.com/office/drawing/2014/main" id="{55EEDCC3-B6AC-774A-B3A6-87F25DBC39BC}"/>
               </a:ext>
             </a:extLst>
           </p:cNvPr>
@@ -3528,7 +4162,7 @@
             <a:spLocks noGrp="1"/>
           </p:cNvSpPr>
           <p:nvPr>
-            <p:ph type="title"/>
+            <p:ph type="ctrTitle"/>
           </p:nvPr>
         </p:nvSpPr>
         <p:spPr/>
@@ -3545,10 +4179,10 @@
       </p:sp>
       <p:sp>
         <p:nvSpPr>
-          <p:cNvPr id="10" name="Content Placeholder 9">
-            <a:extLst>
-              <a:ext uri="{FF2B5EF4-FFF2-40B4-BE49-F238E27FC236}">
-                <a16:creationId xmlns:a16="http://schemas.microsoft.com/office/drawing/2014/main" id="{3E44BD7F-C301-B246-A837-5A9132AC45D8}"/>
+          <p:cNvPr id="5" name="Subtitle 4">
+            <a:extLst>
+              <a:ext uri="{FF2B5EF4-FFF2-40B4-BE49-F238E27FC236}">
+                <a16:creationId xmlns:a16="http://schemas.microsoft.com/office/drawing/2014/main" id="{CC98E4AE-FE4D-4441-BAD7-281A38C7A8B3}"/>
               </a:ext>
             </a:extLst>
           </p:cNvPr>
@@ -3556,61 +4190,22 @@
             <a:spLocks noGrp="1"/>
           </p:cNvSpPr>
           <p:nvPr>
-            <p:ph idx="1"/>
+            <p:ph type="subTitle" idx="1"/>
           </p:nvPr>
         </p:nvSpPr>
         <p:spPr/>
         <p:txBody>
-          <a:bodyPr>
-            <a:normAutofit/>
-          </a:bodyPr>
+          <a:bodyPr/>
           <a:lstStyle/>
           <a:p>
-            <a:pPr marL="457200" indent="-457200">
-              <a:buFont typeface="Arial" panose="020B0604020202020204" pitchFamily="34" charset="0"/>
-              <a:buChar char="•"/>
-            </a:pPr>
-            <a:r>
-              <a:rPr lang="en-GB" dirty="0"/>
-              <a:t>Stellar programming language</a:t>
-            </a:r>
-          </a:p>
-          <a:p>
-            <a:pPr marL="457200" indent="-457200">
-              <a:buFont typeface="Arial" panose="020B0604020202020204" pitchFamily="34" charset="0"/>
-              <a:buChar char="•"/>
-            </a:pPr>
-            <a:r>
-              <a:rPr lang="en-GB" dirty="0"/>
-              <a:t>Type safety</a:t>
-            </a:r>
-          </a:p>
-          <a:p>
-            <a:pPr marL="457200" indent="-457200">
-              <a:buFont typeface="Arial" panose="020B0604020202020204" pitchFamily="34" charset="0"/>
-              <a:buChar char="•"/>
-            </a:pPr>
-            <a:r>
-              <a:rPr lang="en-GB" dirty="0"/>
-              <a:t>Ultra-high performance</a:t>
-            </a:r>
-          </a:p>
-          <a:p>
-            <a:pPr marL="457200" indent="-457200">
-              <a:buFont typeface="Arial" panose="020B0604020202020204" pitchFamily="34" charset="0"/>
-              <a:buChar char="•"/>
-            </a:pPr>
-            <a:r>
-              <a:rPr lang="en-GB" dirty="0"/>
-              <a:t>Ace documentation</a:t>
-            </a:r>
+            <a:endParaRPr lang="en-US" dirty="0"/>
           </a:p>
         </p:txBody>
       </p:sp>
     </p:spTree>
     <p:extLst>
       <p:ext uri="{BB962C8B-B14F-4D97-AF65-F5344CB8AC3E}">
-        <p14:creationId xmlns:p14="http://schemas.microsoft.com/office/powerpoint/2010/main" val="3305000323"/>
+        <p14:creationId xmlns:p14="http://schemas.microsoft.com/office/powerpoint/2010/main" val="2865321129"/>
       </p:ext>
     </p:extLst>
   </p:cSld>
@@ -3639,10 +4234,10 @@
       </p:grpSpPr>
       <p:sp>
         <p:nvSpPr>
-          <p:cNvPr id="4" name="Title 3">
-            <a:extLst>
-              <a:ext uri="{FF2B5EF4-FFF2-40B4-BE49-F238E27FC236}">
-                <a16:creationId xmlns:a16="http://schemas.microsoft.com/office/drawing/2014/main" id="{2E2B2ABD-F3FB-CC49-BA43-F7C575DD41BE}"/>
+          <p:cNvPr id="9" name="Title 8">
+            <a:extLst>
+              <a:ext uri="{FF2B5EF4-FFF2-40B4-BE49-F238E27FC236}">
+                <a16:creationId xmlns:a16="http://schemas.microsoft.com/office/drawing/2014/main" id="{86482CD7-2BBF-7A40-8B6A-2B4A7DC13918}"/>
               </a:ext>
             </a:extLst>
           </p:cNvPr>
@@ -3650,97 +4245,89 @@
             <a:spLocks noGrp="1"/>
           </p:cNvSpPr>
           <p:nvPr>
-            <p:ph type="ctrTitle"/>
+            <p:ph type="title"/>
           </p:nvPr>
         </p:nvSpPr>
-        <p:spPr>
-          <a:xfrm>
-            <a:off x="1524000" y="1041400"/>
-            <a:ext cx="9144000" cy="2387600"/>
-          </a:xfrm>
-        </p:spPr>
+        <p:spPr/>
+        <p:txBody>
+          <a:bodyPr/>
+          <a:lstStyle/>
+          <a:p>
+            <a:r>
+              <a:rPr lang="en-US" dirty="0"/>
+              <a:t>Why Go?</a:t>
+            </a:r>
+          </a:p>
+        </p:txBody>
+      </p:sp>
+      <p:sp>
+        <p:nvSpPr>
+          <p:cNvPr id="10" name="Content Placeholder 9">
+            <a:extLst>
+              <a:ext uri="{FF2B5EF4-FFF2-40B4-BE49-F238E27FC236}">
+                <a16:creationId xmlns:a16="http://schemas.microsoft.com/office/drawing/2014/main" id="{3E44BD7F-C301-B246-A837-5A9132AC45D8}"/>
+              </a:ext>
+            </a:extLst>
+          </p:cNvPr>
+          <p:cNvSpPr>
+            <a:spLocks noGrp="1"/>
+          </p:cNvSpPr>
+          <p:nvPr>
+            <p:ph idx="1"/>
+          </p:nvPr>
+        </p:nvSpPr>
+        <p:spPr/>
         <p:txBody>
           <a:bodyPr>
             <a:normAutofit/>
           </a:bodyPr>
           <a:lstStyle/>
           <a:p>
-            <a:r>
-              <a:rPr lang="en-US" sz="7200" dirty="0"/>
-              <a:t>     Thank you</a:t>
-            </a:r>
-          </a:p>
-        </p:txBody>
-      </p:sp>
-      <p:sp>
-        <p:nvSpPr>
-          <p:cNvPr id="5" name="Subtitle 4">
-            <a:extLst>
-              <a:ext uri="{FF2B5EF4-FFF2-40B4-BE49-F238E27FC236}">
-                <a16:creationId xmlns:a16="http://schemas.microsoft.com/office/drawing/2014/main" id="{8E02B9BF-0B33-1749-9A07-D42508A9A719}"/>
-              </a:ext>
-            </a:extLst>
-          </p:cNvPr>
-          <p:cNvSpPr>
-            <a:spLocks noGrp="1"/>
-          </p:cNvSpPr>
-          <p:nvPr>
-            <p:ph type="subTitle" idx="1"/>
-          </p:nvPr>
-        </p:nvSpPr>
-        <p:spPr>
-          <a:xfrm>
-            <a:off x="1524000" y="3382759"/>
-            <a:ext cx="9144000" cy="1655762"/>
-          </a:xfrm>
-        </p:spPr>
-        <p:txBody>
-          <a:bodyPr>
-            <a:normAutofit/>
-          </a:bodyPr>
-          <a:lstStyle/>
-          <a:p>
-            <a:r>
-              <a:rPr lang="en-US" sz="3100" dirty="0"/>
-              <a:t>Any questions? Stay for a chat!</a:t>
-            </a:r>
-          </a:p>
-        </p:txBody>
-      </p:sp>
-      <p:pic>
-        <p:nvPicPr>
-          <p:cNvPr id="6" name="Picture 5">
-            <a:extLst>
-              <a:ext uri="{FF2B5EF4-FFF2-40B4-BE49-F238E27FC236}">
-                <a16:creationId xmlns:a16="http://schemas.microsoft.com/office/drawing/2014/main" id="{95BBB9EE-7630-294F-B5F3-59D07A16EF67}"/>
-              </a:ext>
-            </a:extLst>
-          </p:cNvPr>
-          <p:cNvPicPr>
-            <a:picLocks noChangeAspect="1"/>
-          </p:cNvPicPr>
-          <p:nvPr/>
-        </p:nvPicPr>
-        <p:blipFill>
-          <a:blip r:embed="rId2"/>
-          <a:stretch>
-            <a:fillRect/>
-          </a:stretch>
-        </p:blipFill>
-        <p:spPr>
-          <a:xfrm>
-            <a:off x="3420534" y="1213709"/>
-            <a:ext cx="1546884" cy="2215291"/>
-          </a:xfrm>
-          <a:prstGeom prst="rect">
-            <a:avLst/>
-          </a:prstGeom>
-        </p:spPr>
-      </p:pic>
+            <a:pPr marL="457200" indent="-457200">
+              <a:buFont typeface="Arial" panose="020B0604020202020204" pitchFamily="34" charset="0"/>
+              <a:buChar char="•"/>
+            </a:pPr>
+            <a:r>
+              <a:rPr lang="en-GB" dirty="0"/>
+              <a:t>Stellar programming language</a:t>
+            </a:r>
+          </a:p>
+          <a:p>
+            <a:pPr marL="457200" indent="-457200">
+              <a:buFont typeface="Arial" panose="020B0604020202020204" pitchFamily="34" charset="0"/>
+              <a:buChar char="•"/>
+            </a:pPr>
+            <a:r>
+              <a:rPr lang="en-GB" dirty="0"/>
+              <a:t>Type safety</a:t>
+            </a:r>
+          </a:p>
+          <a:p>
+            <a:pPr marL="457200" indent="-457200">
+              <a:buFont typeface="Arial" panose="020B0604020202020204" pitchFamily="34" charset="0"/>
+              <a:buChar char="•"/>
+            </a:pPr>
+            <a:r>
+              <a:rPr lang="en-GB" dirty="0"/>
+              <a:t>Ultra-high performance</a:t>
+            </a:r>
+          </a:p>
+          <a:p>
+            <a:pPr marL="457200" indent="-457200">
+              <a:buFont typeface="Arial" panose="020B0604020202020204" pitchFamily="34" charset="0"/>
+              <a:buChar char="•"/>
+            </a:pPr>
+            <a:r>
+              <a:rPr lang="en-GB" dirty="0"/>
+              <a:t>Ace documentation</a:t>
+            </a:r>
+          </a:p>
+        </p:txBody>
+      </p:sp>
     </p:spTree>
     <p:extLst>
       <p:ext uri="{BB962C8B-B14F-4D97-AF65-F5344CB8AC3E}">
-        <p14:creationId xmlns:p14="http://schemas.microsoft.com/office/powerpoint/2010/main" val="387595175"/>
+        <p14:creationId xmlns:p14="http://schemas.microsoft.com/office/powerpoint/2010/main" val="3305000323"/>
       </p:ext>
     </p:extLst>
   </p:cSld>
@@ -4061,7 +4648,311 @@
 </a:theme>
 </file>
 
+<file path=ppt/theme/theme2.xml><?xml version="1.0" encoding="utf-8"?>
+<a:theme xmlns:a="http://schemas.openxmlformats.org/drawingml/2006/main" name="Office Theme">
+  <a:themeElements>
+    <a:clrScheme name="Office">
+      <a:dk1>
+        <a:sysClr val="windowText" lastClr="000000"/>
+      </a:dk1>
+      <a:lt1>
+        <a:sysClr val="window" lastClr="FFFFFF"/>
+      </a:lt1>
+      <a:dk2>
+        <a:srgbClr val="44546A"/>
+      </a:dk2>
+      <a:lt2>
+        <a:srgbClr val="E7E6E6"/>
+      </a:lt2>
+      <a:accent1>
+        <a:srgbClr val="4472C4"/>
+      </a:accent1>
+      <a:accent2>
+        <a:srgbClr val="ED7D31"/>
+      </a:accent2>
+      <a:accent3>
+        <a:srgbClr val="A5A5A5"/>
+      </a:accent3>
+      <a:accent4>
+        <a:srgbClr val="FFC000"/>
+      </a:accent4>
+      <a:accent5>
+        <a:srgbClr val="5B9BD5"/>
+      </a:accent5>
+      <a:accent6>
+        <a:srgbClr val="70AD47"/>
+      </a:accent6>
+      <a:hlink>
+        <a:srgbClr val="0563C1"/>
+      </a:hlink>
+      <a:folHlink>
+        <a:srgbClr val="954F72"/>
+      </a:folHlink>
+    </a:clrScheme>
+    <a:fontScheme name="Office">
+      <a:majorFont>
+        <a:latin typeface="Calibri Light" panose="020F0302020204030204"/>
+        <a:ea typeface=""/>
+        <a:cs typeface=""/>
+        <a:font script="Jpan" typeface="游ゴシック Light"/>
+        <a:font script="Hang" typeface="맑은 고딕"/>
+        <a:font script="Hans" typeface="等线 Light"/>
+        <a:font script="Hant" typeface="新細明體"/>
+        <a:font script="Arab" typeface="Times New Roman"/>
+        <a:font script="Hebr" typeface="Times New Roman"/>
+        <a:font script="Thai" typeface="Angsana New"/>
+        <a:font script="Ethi" typeface="Nyala"/>
+        <a:font script="Beng" typeface="Vrinda"/>
+        <a:font script="Gujr" typeface="Shruti"/>
+        <a:font script="Khmr" typeface="MoolBoran"/>
+        <a:font script="Knda" typeface="Tunga"/>
+        <a:font script="Guru" typeface="Raavi"/>
+        <a:font script="Cans" typeface="Euphemia"/>
+        <a:font script="Cher" typeface="Plantagenet Cherokee"/>
+        <a:font script="Yiii" typeface="Microsoft Yi Baiti"/>
+        <a:font script="Tibt" typeface="Microsoft Himalaya"/>
+        <a:font script="Thaa" typeface="MV Boli"/>
+        <a:font script="Deva" typeface="Mangal"/>
+        <a:font script="Telu" typeface="Gautami"/>
+        <a:font script="Taml" typeface="Latha"/>
+        <a:font script="Syrc" typeface="Estrangelo Edessa"/>
+        <a:font script="Orya" typeface="Kalinga"/>
+        <a:font script="Mlym" typeface="Kartika"/>
+        <a:font script="Laoo" typeface="DokChampa"/>
+        <a:font script="Sinh" typeface="Iskoola Pota"/>
+        <a:font script="Mong" typeface="Mongolian Baiti"/>
+        <a:font script="Viet" typeface="Times New Roman"/>
+        <a:font script="Uigh" typeface="Microsoft Uighur"/>
+        <a:font script="Geor" typeface="Sylfaen"/>
+        <a:font script="Armn" typeface="Arial"/>
+        <a:font script="Bugi" typeface="Leelawadee UI"/>
+        <a:font script="Bopo" typeface="Microsoft JhengHei"/>
+        <a:font script="Java" typeface="Javanese Text"/>
+        <a:font script="Lisu" typeface="Segoe UI"/>
+        <a:font script="Mymr" typeface="Myanmar Text"/>
+        <a:font script="Nkoo" typeface="Ebrima"/>
+        <a:font script="Olck" typeface="Nirmala UI"/>
+        <a:font script="Osma" typeface="Ebrima"/>
+        <a:font script="Phag" typeface="Phagspa"/>
+        <a:font script="Syrn" typeface="Estrangelo Edessa"/>
+        <a:font script="Syrj" typeface="Estrangelo Edessa"/>
+        <a:font script="Syre" typeface="Estrangelo Edessa"/>
+        <a:font script="Sora" typeface="Nirmala UI"/>
+        <a:font script="Tale" typeface="Microsoft Tai Le"/>
+        <a:font script="Talu" typeface="Microsoft New Tai Lue"/>
+        <a:font script="Tfng" typeface="Ebrima"/>
+      </a:majorFont>
+      <a:minorFont>
+        <a:latin typeface="Calibri" panose="020F0502020204030204"/>
+        <a:ea typeface=""/>
+        <a:cs typeface=""/>
+        <a:font script="Jpan" typeface="游ゴシック"/>
+        <a:font script="Hang" typeface="맑은 고딕"/>
+        <a:font script="Hans" typeface="等线"/>
+        <a:font script="Hant" typeface="新細明體"/>
+        <a:font script="Arab" typeface="Arial"/>
+        <a:font script="Hebr" typeface="Arial"/>
+        <a:font script="Thai" typeface="Cordia New"/>
+        <a:font script="Ethi" typeface="Nyala"/>
+        <a:font script="Beng" typeface="Vrinda"/>
+        <a:font script="Gujr" typeface="Shruti"/>
+        <a:font script="Khmr" typeface="DaunPenh"/>
+        <a:font script="Knda" typeface="Tunga"/>
+        <a:font script="Guru" typeface="Raavi"/>
+        <a:font script="Cans" typeface="Euphemia"/>
+        <a:font script="Cher" typeface="Plantagenet Cherokee"/>
+        <a:font script="Yiii" typeface="Microsoft Yi Baiti"/>
+        <a:font script="Tibt" typeface="Microsoft Himalaya"/>
+        <a:font script="Thaa" typeface="MV Boli"/>
+        <a:font script="Deva" typeface="Mangal"/>
+        <a:font script="Telu" typeface="Gautami"/>
+        <a:font script="Taml" typeface="Latha"/>
+        <a:font script="Syrc" typeface="Estrangelo Edessa"/>
+        <a:font script="Orya" typeface="Kalinga"/>
+        <a:font script="Mlym" typeface="Kartika"/>
+        <a:font script="Laoo" typeface="DokChampa"/>
+        <a:font script="Sinh" typeface="Iskoola Pota"/>
+        <a:font script="Mong" typeface="Mongolian Baiti"/>
+        <a:font script="Viet" typeface="Arial"/>
+        <a:font script="Uigh" typeface="Microsoft Uighur"/>
+        <a:font script="Geor" typeface="Sylfaen"/>
+        <a:font script="Armn" typeface="Arial"/>
+        <a:font script="Bugi" typeface="Leelawadee UI"/>
+        <a:font script="Bopo" typeface="Microsoft JhengHei"/>
+        <a:font script="Java" typeface="Javanese Text"/>
+        <a:font script="Lisu" typeface="Segoe UI"/>
+        <a:font script="Mymr" typeface="Myanmar Text"/>
+        <a:font script="Nkoo" typeface="Ebrima"/>
+        <a:font script="Olck" typeface="Nirmala UI"/>
+        <a:font script="Osma" typeface="Ebrima"/>
+        <a:font script="Phag" typeface="Phagspa"/>
+        <a:font script="Syrn" typeface="Estrangelo Edessa"/>
+        <a:font script="Syrj" typeface="Estrangelo Edessa"/>
+        <a:font script="Syre" typeface="Estrangelo Edessa"/>
+        <a:font script="Sora" typeface="Nirmala UI"/>
+        <a:font script="Tale" typeface="Microsoft Tai Le"/>
+        <a:font script="Talu" typeface="Microsoft New Tai Lue"/>
+        <a:font script="Tfng" typeface="Ebrima"/>
+      </a:minorFont>
+    </a:fontScheme>
+    <a:fmtScheme name="Office">
+      <a:fillStyleLst>
+        <a:solidFill>
+          <a:schemeClr val="phClr"/>
+        </a:solidFill>
+        <a:gradFill rotWithShape="1">
+          <a:gsLst>
+            <a:gs pos="0">
+              <a:schemeClr val="phClr">
+                <a:lumMod val="110000"/>
+                <a:satMod val="105000"/>
+                <a:tint val="67000"/>
+              </a:schemeClr>
+            </a:gs>
+            <a:gs pos="50000">
+              <a:schemeClr val="phClr">
+                <a:lumMod val="105000"/>
+                <a:satMod val="103000"/>
+                <a:tint val="73000"/>
+              </a:schemeClr>
+            </a:gs>
+            <a:gs pos="100000">
+              <a:schemeClr val="phClr">
+                <a:lumMod val="105000"/>
+                <a:satMod val="109000"/>
+                <a:tint val="81000"/>
+              </a:schemeClr>
+            </a:gs>
+          </a:gsLst>
+          <a:lin ang="5400000" scaled="0"/>
+        </a:gradFill>
+        <a:gradFill rotWithShape="1">
+          <a:gsLst>
+            <a:gs pos="0">
+              <a:schemeClr val="phClr">
+                <a:satMod val="103000"/>
+                <a:lumMod val="102000"/>
+                <a:tint val="94000"/>
+              </a:schemeClr>
+            </a:gs>
+            <a:gs pos="50000">
+              <a:schemeClr val="phClr">
+                <a:satMod val="110000"/>
+                <a:lumMod val="100000"/>
+                <a:shade val="100000"/>
+              </a:schemeClr>
+            </a:gs>
+            <a:gs pos="100000">
+              <a:schemeClr val="phClr">
+                <a:lumMod val="99000"/>
+                <a:satMod val="120000"/>
+                <a:shade val="78000"/>
+              </a:schemeClr>
+            </a:gs>
+          </a:gsLst>
+          <a:lin ang="5400000" scaled="0"/>
+        </a:gradFill>
+      </a:fillStyleLst>
+      <a:lnStyleLst>
+        <a:ln w="6350" cap="flat" cmpd="sng" algn="ctr">
+          <a:solidFill>
+            <a:schemeClr val="phClr"/>
+          </a:solidFill>
+          <a:prstDash val="solid"/>
+          <a:miter lim="800000"/>
+        </a:ln>
+        <a:ln w="12700" cap="flat" cmpd="sng" algn="ctr">
+          <a:solidFill>
+            <a:schemeClr val="phClr"/>
+          </a:solidFill>
+          <a:prstDash val="solid"/>
+          <a:miter lim="800000"/>
+        </a:ln>
+        <a:ln w="19050" cap="flat" cmpd="sng" algn="ctr">
+          <a:solidFill>
+            <a:schemeClr val="phClr"/>
+          </a:solidFill>
+          <a:prstDash val="solid"/>
+          <a:miter lim="800000"/>
+        </a:ln>
+      </a:lnStyleLst>
+      <a:effectStyleLst>
+        <a:effectStyle>
+          <a:effectLst/>
+        </a:effectStyle>
+        <a:effectStyle>
+          <a:effectLst/>
+        </a:effectStyle>
+        <a:effectStyle>
+          <a:effectLst>
+            <a:outerShdw blurRad="57150" dist="19050" dir="5400000" algn="ctr" rotWithShape="0">
+              <a:srgbClr val="000000">
+                <a:alpha val="63000"/>
+              </a:srgbClr>
+            </a:outerShdw>
+          </a:effectLst>
+        </a:effectStyle>
+      </a:effectStyleLst>
+      <a:bgFillStyleLst>
+        <a:solidFill>
+          <a:schemeClr val="phClr"/>
+        </a:solidFill>
+        <a:solidFill>
+          <a:schemeClr val="phClr">
+            <a:tint val="95000"/>
+            <a:satMod val="170000"/>
+          </a:schemeClr>
+        </a:solidFill>
+        <a:gradFill rotWithShape="1">
+          <a:gsLst>
+            <a:gs pos="0">
+              <a:schemeClr val="phClr">
+                <a:tint val="93000"/>
+                <a:satMod val="150000"/>
+                <a:shade val="98000"/>
+                <a:lumMod val="102000"/>
+              </a:schemeClr>
+            </a:gs>
+            <a:gs pos="50000">
+              <a:schemeClr val="phClr">
+                <a:tint val="98000"/>
+                <a:satMod val="130000"/>
+                <a:shade val="90000"/>
+                <a:lumMod val="103000"/>
+              </a:schemeClr>
+            </a:gs>
+            <a:gs pos="100000">
+              <a:schemeClr val="phClr">
+                <a:shade val="63000"/>
+                <a:satMod val="120000"/>
+              </a:schemeClr>
+            </a:gs>
+          </a:gsLst>
+          <a:lin ang="5400000" scaled="0"/>
+        </a:gradFill>
+      </a:bgFillStyleLst>
+    </a:fmtScheme>
+  </a:themeElements>
+  <a:objectDefaults/>
+  <a:extraClrSchemeLst/>
+  <a:extLst>
+    <a:ext uri="{05A4C25C-085E-4340-85A3-A5531E510DB2}">
+      <thm15:themeFamily xmlns:thm15="http://schemas.microsoft.com/office/thememl/2012/main" name="Office Theme" id="{62F939B6-93AF-4DB8-9C6B-D6C7DFDC589F}" vid="{4A3C46E8-61CC-4603-A589-7422A47A8E4A}"/>
+    </a:ext>
+  </a:extLst>
+</a:theme>
+</file>
+
 <file path=customXml/item1.xml><?xml version="1.0" encoding="utf-8"?>
+<?mso-contentType ?>
+<FormTemplates xmlns="http://schemas.microsoft.com/sharepoint/v3/contenttype/forms">
+  <Display>DocumentLibraryForm</Display>
+  <Edit>DocumentLibraryForm</Edit>
+  <New>DocumentLibraryForm</New>
+</FormTemplates>
+</file>
+
+<file path=customXml/item2.xml><?xml version="1.0" encoding="utf-8"?>
 <ct:contentTypeSchema xmlns:ct="http://schemas.microsoft.com/office/2006/metadata/contentType" xmlns:ma="http://schemas.microsoft.com/office/2006/metadata/properties/metaAttributes" ct:_="" ma:_="" ma:contentTypeName="Document" ma:contentTypeID="0x010100D67A8D7100BE1A4DBE5D35E4C27C16DF" ma:contentTypeVersion="8" ma:contentTypeDescription="Create a new document." ma:contentTypeScope="" ma:versionID="59dee0e2bd9e48803c790b78321a0573">
   <xsd:schema xmlns:xsd="http://www.w3.org/2001/XMLSchema" xmlns:xs="http://www.w3.org/2001/XMLSchema" xmlns:p="http://schemas.microsoft.com/office/2006/metadata/properties" xmlns:ns2="a390b70a-8322-41bb-bb35-991e0080501f" xmlns:ns3="56af8464-4a6e-4603-856d-639ee6c6544c" targetNamespace="http://schemas.microsoft.com/office/2006/metadata/properties" ma:root="true" ma:fieldsID="60b2b25d23e69278898d9f001339b4ab" ns2:_="" ns3:_="">
     <xsd:import namespace="a390b70a-8322-41bb-bb35-991e0080501f"/>
@@ -4252,15 +5143,6 @@
 </ct:contentTypeSchema>
 </file>
 
-<file path=customXml/item2.xml><?xml version="1.0" encoding="utf-8"?>
-<?mso-contentType ?>
-<FormTemplates xmlns="http://schemas.microsoft.com/sharepoint/v3/contenttype/forms">
-  <Display>DocumentLibraryForm</Display>
-  <Edit>DocumentLibraryForm</Edit>
-  <New>DocumentLibraryForm</New>
-</FormTemplates>
-</file>
-
 <file path=customXml/item3.xml><?xml version="1.0" encoding="utf-8"?>
 <p:properties xmlns:p="http://schemas.microsoft.com/office/2006/metadata/properties" xmlns:xsi="http://www.w3.org/2001/XMLSchema-instance" xmlns:pc="http://schemas.microsoft.com/office/infopath/2007/PartnerControls">
   <documentManagement/>
@@ -4268,6 +5150,14 @@
 </file>
 
 <file path=customXml/itemProps1.xml><?xml version="1.0" encoding="utf-8"?>
+<ds:datastoreItem xmlns:ds="http://schemas.openxmlformats.org/officeDocument/2006/customXml" ds:itemID="{40902662-26C2-4821-A231-BAF4C199D77B}">
+  <ds:schemaRefs>
+    <ds:schemaRef ds:uri="http://schemas.microsoft.com/sharepoint/v3/contenttype/forms"/>
+  </ds:schemaRefs>
+</ds:datastoreItem>
+</file>
+
+<file path=customXml/itemProps2.xml><?xml version="1.0" encoding="utf-8"?>
 <ds:datastoreItem xmlns:ds="http://schemas.openxmlformats.org/officeDocument/2006/customXml" ds:itemID="{85A9C6F3-BDF4-44D8-96BD-CF344EA47B3C}">
   <ds:schemaRefs>
     <ds:schemaRef ds:uri="http://schemas.microsoft.com/office/2006/metadata/contentType"/>
@@ -4286,14 +5176,6 @@
 </ds:datastoreItem>
 </file>
 
-<file path=customXml/itemProps2.xml><?xml version="1.0" encoding="utf-8"?>
-<ds:datastoreItem xmlns:ds="http://schemas.openxmlformats.org/officeDocument/2006/customXml" ds:itemID="{40902662-26C2-4821-A231-BAF4C199D77B}">
-  <ds:schemaRefs>
-    <ds:schemaRef ds:uri="http://schemas.microsoft.com/sharepoint/v3/contenttype/forms"/>
-  </ds:schemaRefs>
-</ds:datastoreItem>
-</file>
-
 <file path=customXml/itemProps3.xml><?xml version="1.0" encoding="utf-8"?>
 <ds:datastoreItem xmlns:ds="http://schemas.openxmlformats.org/officeDocument/2006/customXml" ds:itemID="{0945FB79-9F84-4AA7-8515-C81FE5A311BA}">
   <ds:schemaRefs>

--- a/DevOps-Playground-Intro-Slides.pptx
+++ b/DevOps-Playground-Intro-Slides.pptx
@@ -5,19 +5,18 @@
     <p:sldMasterId id="2147483648" r:id="rId4"/>
   </p:sldMasterIdLst>
   <p:notesMasterIdLst>
-    <p:notesMasterId r:id="rId15"/>
+    <p:notesMasterId r:id="rId14"/>
   </p:notesMasterIdLst>
   <p:sldIdLst>
     <p:sldId id="256" r:id="rId5"/>
     <p:sldId id="258" r:id="rId6"/>
-    <p:sldId id="257" r:id="rId7"/>
-    <p:sldId id="261" r:id="rId8"/>
-    <p:sldId id="269" r:id="rId9"/>
-    <p:sldId id="259" r:id="rId10"/>
-    <p:sldId id="262" r:id="rId11"/>
-    <p:sldId id="267" r:id="rId12"/>
-    <p:sldId id="268" r:id="rId13"/>
-    <p:sldId id="263" r:id="rId14"/>
+    <p:sldId id="269" r:id="rId7"/>
+    <p:sldId id="257" r:id="rId8"/>
+    <p:sldId id="259" r:id="rId9"/>
+    <p:sldId id="262" r:id="rId10"/>
+    <p:sldId id="267" r:id="rId11"/>
+    <p:sldId id="268" r:id="rId12"/>
+    <p:sldId id="263" r:id="rId13"/>
   </p:sldIdLst>
   <p:sldSz cx="12192000" cy="6858000"/>
   <p:notesSz cx="6858000" cy="9144000"/>
@@ -214,7 +213,7 @@
           <a:p>
             <a:fld id="{FAEBB64D-77ED-2744-AAA6-E290C1B474E9}" type="datetimeFigureOut">
               <a:rPr lang="en-US" smtClean="0"/>
-              <a:t>5/21/20</a:t>
+              <a:t>5/25/20</a:t>
             </a:fld>
             <a:endParaRPr lang="en-US"/>
           </a:p>
@@ -547,7 +546,7 @@
           <a:p>
             <a:fld id="{B2D615E9-B0A0-4E4D-9804-AA4D8DF144C9}" type="slidenum">
               <a:rPr lang="en-US" smtClean="0"/>
-              <a:t>5</a:t>
+              <a:t>3</a:t>
             </a:fld>
             <a:endParaRPr lang="en-US"/>
           </a:p>
@@ -3371,136 +3370,6 @@
 </p:sld>
 </file>
 
-<file path=ppt/slides/slide10.xml><?xml version="1.0" encoding="utf-8"?>
-<p:sld xmlns:a="http://schemas.openxmlformats.org/drawingml/2006/main" xmlns:r="http://schemas.openxmlformats.org/officeDocument/2006/relationships" xmlns:p="http://schemas.openxmlformats.org/presentationml/2006/main">
-  <p:cSld>
-    <p:spTree>
-      <p:nvGrpSpPr>
-        <p:cNvPr id="1" name=""/>
-        <p:cNvGrpSpPr/>
-        <p:nvPr/>
-      </p:nvGrpSpPr>
-      <p:grpSpPr>
-        <a:xfrm>
-          <a:off x="0" y="0"/>
-          <a:ext cx="0" cy="0"/>
-          <a:chOff x="0" y="0"/>
-          <a:chExt cx="0" cy="0"/>
-        </a:xfrm>
-      </p:grpSpPr>
-      <p:sp>
-        <p:nvSpPr>
-          <p:cNvPr id="4" name="Title 3">
-            <a:extLst>
-              <a:ext uri="{FF2B5EF4-FFF2-40B4-BE49-F238E27FC236}">
-                <a16:creationId xmlns:a16="http://schemas.microsoft.com/office/drawing/2014/main" id="{2E2B2ABD-F3FB-CC49-BA43-F7C575DD41BE}"/>
-              </a:ext>
-            </a:extLst>
-          </p:cNvPr>
-          <p:cNvSpPr>
-            <a:spLocks noGrp="1"/>
-          </p:cNvSpPr>
-          <p:nvPr>
-            <p:ph type="ctrTitle"/>
-          </p:nvPr>
-        </p:nvSpPr>
-        <p:spPr>
-          <a:xfrm>
-            <a:off x="1524000" y="1041400"/>
-            <a:ext cx="9144000" cy="2387600"/>
-          </a:xfrm>
-        </p:spPr>
-        <p:txBody>
-          <a:bodyPr>
-            <a:normAutofit/>
-          </a:bodyPr>
-          <a:lstStyle/>
-          <a:p>
-            <a:r>
-              <a:rPr lang="en-US" sz="7200" dirty="0"/>
-              <a:t>     Thank you</a:t>
-            </a:r>
-          </a:p>
-        </p:txBody>
-      </p:sp>
-      <p:sp>
-        <p:nvSpPr>
-          <p:cNvPr id="5" name="Subtitle 4">
-            <a:extLst>
-              <a:ext uri="{FF2B5EF4-FFF2-40B4-BE49-F238E27FC236}">
-                <a16:creationId xmlns:a16="http://schemas.microsoft.com/office/drawing/2014/main" id="{8E02B9BF-0B33-1749-9A07-D42508A9A719}"/>
-              </a:ext>
-            </a:extLst>
-          </p:cNvPr>
-          <p:cNvSpPr>
-            <a:spLocks noGrp="1"/>
-          </p:cNvSpPr>
-          <p:nvPr>
-            <p:ph type="subTitle" idx="1"/>
-          </p:nvPr>
-        </p:nvSpPr>
-        <p:spPr>
-          <a:xfrm>
-            <a:off x="1524000" y="3382759"/>
-            <a:ext cx="9144000" cy="1655762"/>
-          </a:xfrm>
-        </p:spPr>
-        <p:txBody>
-          <a:bodyPr>
-            <a:normAutofit/>
-          </a:bodyPr>
-          <a:lstStyle/>
-          <a:p>
-            <a:r>
-              <a:rPr lang="en-US" sz="3100" dirty="0"/>
-              <a:t>Any questions? Stay for a chat!</a:t>
-            </a:r>
-          </a:p>
-        </p:txBody>
-      </p:sp>
-      <p:pic>
-        <p:nvPicPr>
-          <p:cNvPr id="6" name="Picture 5">
-            <a:extLst>
-              <a:ext uri="{FF2B5EF4-FFF2-40B4-BE49-F238E27FC236}">
-                <a16:creationId xmlns:a16="http://schemas.microsoft.com/office/drawing/2014/main" id="{95BBB9EE-7630-294F-B5F3-59D07A16EF67}"/>
-              </a:ext>
-            </a:extLst>
-          </p:cNvPr>
-          <p:cNvPicPr>
-            <a:picLocks noChangeAspect="1"/>
-          </p:cNvPicPr>
-          <p:nvPr/>
-        </p:nvPicPr>
-        <p:blipFill>
-          <a:blip r:embed="rId2"/>
-          <a:stretch>
-            <a:fillRect/>
-          </a:stretch>
-        </p:blipFill>
-        <p:spPr>
-          <a:xfrm>
-            <a:off x="3420534" y="1213709"/>
-            <a:ext cx="1546884" cy="2215291"/>
-          </a:xfrm>
-          <a:prstGeom prst="rect">
-            <a:avLst/>
-          </a:prstGeom>
-        </p:spPr>
-      </p:pic>
-    </p:spTree>
-    <p:extLst>
-      <p:ext uri="{BB962C8B-B14F-4D97-AF65-F5344CB8AC3E}">
-        <p14:creationId xmlns:p14="http://schemas.microsoft.com/office/powerpoint/2010/main" val="387595175"/>
-      </p:ext>
-    </p:extLst>
-  </p:cSld>
-  <p:clrMapOvr>
-    <a:masterClrMapping/>
-  </p:clrMapOvr>
-</p:sld>
-</file>
-
 <file path=ppt/slides/slide2.xml><?xml version="1.0" encoding="utf-8"?>
 <p:sld xmlns:a="http://schemas.openxmlformats.org/drawingml/2006/main" xmlns:r="http://schemas.openxmlformats.org/officeDocument/2006/relationships" xmlns:p="http://schemas.openxmlformats.org/presentationml/2006/main">
   <p:cSld>
@@ -3611,10 +3480,52 @@
       </p:grpSpPr>
       <p:sp>
         <p:nvSpPr>
-          <p:cNvPr id="3" name="Subtitle 2">
-            <a:extLst>
-              <a:ext uri="{FF2B5EF4-FFF2-40B4-BE49-F238E27FC236}">
-                <a16:creationId xmlns:a16="http://schemas.microsoft.com/office/drawing/2014/main" id="{E79DBE9E-C3EA-9248-8E60-9A252EE6484A}"/>
+          <p:cNvPr id="9" name="Title 8">
+            <a:extLst>
+              <a:ext uri="{FF2B5EF4-FFF2-40B4-BE49-F238E27FC236}">
+                <a16:creationId xmlns:a16="http://schemas.microsoft.com/office/drawing/2014/main" id="{86482CD7-2BBF-7A40-8B6A-2B4A7DC13918}"/>
+              </a:ext>
+            </a:extLst>
+          </p:cNvPr>
+          <p:cNvSpPr>
+            <a:spLocks noGrp="1"/>
+          </p:cNvSpPr>
+          <p:nvPr>
+            <p:ph type="title"/>
+          </p:nvPr>
+        </p:nvSpPr>
+        <p:spPr/>
+        <p:txBody>
+          <a:bodyPr/>
+          <a:lstStyle/>
+          <a:p>
+            <a:r>
+              <a:rPr lang="en-US" dirty="0"/>
+              <a:t>Who</a:t>
+            </a:r>
+            <a:br>
+              <a:rPr lang="en-US" dirty="0"/>
+            </a:br>
+            <a:r>
+              <a:rPr lang="en-US" dirty="0"/>
+              <a:t>Am</a:t>
+            </a:r>
+            <a:br>
+              <a:rPr lang="en-US" dirty="0"/>
+            </a:br>
+            <a:r>
+              <a:rPr lang="en-US" dirty="0"/>
+              <a:t>I?</a:t>
+            </a:r>
+          </a:p>
+        </p:txBody>
+      </p:sp>
+      <p:sp>
+        <p:nvSpPr>
+          <p:cNvPr id="10" name="Content Placeholder 9">
+            <a:extLst>
+              <a:ext uri="{FF2B5EF4-FFF2-40B4-BE49-F238E27FC236}">
+                <a16:creationId xmlns:a16="http://schemas.microsoft.com/office/drawing/2014/main" id="{3E44BD7F-C301-B246-A837-5A9132AC45D8}"/>
               </a:ext>
             </a:extLst>
           </p:cNvPr>
@@ -3627,37 +3538,82 @@
         </p:nvSpPr>
         <p:spPr/>
         <p:txBody>
-          <a:bodyPr>
-            <a:normAutofit/>
-          </a:bodyPr>
+          <a:bodyPr/>
           <a:lstStyle/>
           <a:p>
             <a:r>
-              <a:rPr lang="en-US" dirty="0"/>
-              <a:t>DevOps Playground</a:t>
-            </a:r>
-          </a:p>
-          <a:p>
-            <a:pPr lvl="1"/>
-            <a:r>
-              <a:rPr lang="en-GB" dirty="0"/>
-              <a:t>Inspiring tech-enthusiasts to explore </a:t>
-            </a:r>
-            <a:br>
-              <a:rPr lang="en-GB" dirty="0"/>
-            </a:br>
-            <a:r>
-              <a:rPr lang="en-GB" dirty="0"/>
-              <a:t>new technology during hands-on monthly events.</a:t>
-            </a:r>
-            <a:endParaRPr lang="en-US" dirty="0"/>
+              <a:rPr lang="en-GB" b="1" dirty="0"/>
+              <a:t>Artur </a:t>
+            </a:r>
+            <a:r>
+              <a:rPr lang="en-GB" b="1" dirty="0" err="1"/>
+              <a:t>Kondas</a:t>
+            </a:r>
+            <a:endParaRPr lang="en-GB" b="1" dirty="0"/>
+          </a:p>
+          <a:p>
+            <a:endParaRPr lang="en-GB" b="1" dirty="0"/>
+          </a:p>
+          <a:p>
+            <a:pPr marL="457200" indent="-457200">
+              <a:buFont typeface="Arial" panose="020B0604020202020204" pitchFamily="34" charset="0"/>
+              <a:buChar char="•"/>
+            </a:pPr>
+            <a:r>
+              <a:rPr lang="en-GB" b="1" dirty="0"/>
+              <a:t>Go Developer @ ECS Digital</a:t>
+            </a:r>
+          </a:p>
+          <a:p>
+            <a:pPr marL="457200" indent="-457200">
+              <a:buFont typeface="Arial" panose="020B0604020202020204" pitchFamily="34" charset="0"/>
+              <a:buChar char="•"/>
+            </a:pPr>
+            <a:r>
+              <a:rPr lang="en-GB" b="1" dirty="0"/>
+              <a:t>Open Source</a:t>
+            </a:r>
+          </a:p>
+          <a:p>
+            <a:pPr marL="457200" indent="-457200">
+              <a:buFont typeface="Arial" panose="020B0604020202020204" pitchFamily="34" charset="0"/>
+              <a:buChar char="•"/>
+            </a:pPr>
+            <a:r>
+              <a:rPr lang="en-GB" b="1" dirty="0"/>
+              <a:t>Software Generalist</a:t>
+            </a:r>
+          </a:p>
+          <a:p>
+            <a:pPr marL="457200" indent="-457200">
+              <a:buFont typeface="Arial" panose="020B0604020202020204" pitchFamily="34" charset="0"/>
+              <a:buChar char="•"/>
+            </a:pPr>
+            <a:r>
+              <a:rPr lang="en-GB" b="1" dirty="0"/>
+              <a:t>Pizza</a:t>
+            </a:r>
+          </a:p>
+          <a:p>
+            <a:endParaRPr lang="en-GB" b="1" dirty="0"/>
+          </a:p>
+          <a:p>
+            <a:r>
+              <a:rPr lang="en-GB" b="1" dirty="0"/>
+              <a:t>Find me @ </a:t>
+            </a:r>
+            <a:r>
+              <a:rPr lang="en-GB" b="1" dirty="0" err="1"/>
+              <a:t>akondas.com</a:t>
+            </a:r>
+            <a:endParaRPr lang="en-GB" dirty="0"/>
           </a:p>
         </p:txBody>
       </p:sp>
     </p:spTree>
     <p:extLst>
       <p:ext uri="{BB962C8B-B14F-4D97-AF65-F5344CB8AC3E}">
-        <p14:creationId xmlns:p14="http://schemas.microsoft.com/office/powerpoint/2010/main" val="874248919"/>
+        <p14:creationId xmlns:p14="http://schemas.microsoft.com/office/powerpoint/2010/main" val="1426288600"/>
       </p:ext>
     </p:extLst>
   </p:cSld>
@@ -3700,12 +3656,7 @@
             <p:ph idx="1"/>
           </p:nvPr>
         </p:nvSpPr>
-        <p:spPr>
-          <a:xfrm>
-            <a:off x="0" y="1739900"/>
-            <a:ext cx="12192000" cy="2679699"/>
-          </a:xfrm>
-        </p:spPr>
+        <p:spPr/>
         <p:txBody>
           <a:bodyPr>
             <a:normAutofit/>
@@ -3714,71 +3665,30 @@
           <a:p>
             <a:r>
               <a:rPr lang="en-US" dirty="0"/>
-              <a:t>Login Details</a:t>
+              <a:t>DevOps Playground</a:t>
             </a:r>
           </a:p>
           <a:p>
             <a:pPr lvl="1"/>
             <a:r>
-              <a:rPr lang="en-GB" dirty="0">
-                <a:solidFill>
-                  <a:schemeClr val="tx2"/>
-                </a:solidFill>
-              </a:rPr>
-              <a:t>Link:</a:t>
-            </a:r>
-          </a:p>
-          <a:p>
-            <a:pPr lvl="1"/>
-            <a:r>
               <a:rPr lang="en-GB" dirty="0"/>
-              <a:t>User:</a:t>
-            </a:r>
-          </a:p>
-          <a:p>
-            <a:pPr lvl="1"/>
-            <a:r>
+              <a:t>Inspiring tech-enthusiasts to explore </a:t>
+            </a:r>
+            <a:br>
               <a:rPr lang="en-GB" dirty="0"/>
-              <a:t>Password:</a:t>
+            </a:br>
+            <a:r>
+              <a:rPr lang="en-GB" dirty="0"/>
+              <a:t>new technology during hands-on monthly events.</a:t>
             </a:r>
             <a:endParaRPr lang="en-US" dirty="0"/>
           </a:p>
         </p:txBody>
       </p:sp>
-      <p:pic>
-        <p:nvPicPr>
-          <p:cNvPr id="4" name="Picture 3">
-            <a:extLst>
-              <a:ext uri="{FF2B5EF4-FFF2-40B4-BE49-F238E27FC236}">
-                <a16:creationId xmlns:a16="http://schemas.microsoft.com/office/drawing/2014/main" id="{AF7D8244-0537-DA4A-A71A-2DCE36E1BF08}"/>
-              </a:ext>
-            </a:extLst>
-          </p:cNvPr>
-          <p:cNvPicPr>
-            <a:picLocks noChangeAspect="1"/>
-          </p:cNvPicPr>
-          <p:nvPr/>
-        </p:nvPicPr>
-        <p:blipFill>
-          <a:blip r:embed="rId2"/>
-          <a:stretch>
-            <a:fillRect/>
-          </a:stretch>
-        </p:blipFill>
-        <p:spPr>
-          <a:xfrm>
-            <a:off x="9368362" y="1948659"/>
-            <a:ext cx="1961322" cy="2369931"/>
-          </a:xfrm>
-          <a:prstGeom prst="rect">
-            <a:avLst/>
-          </a:prstGeom>
-        </p:spPr>
-      </p:pic>
     </p:spTree>
     <p:extLst>
       <p:ext uri="{BB962C8B-B14F-4D97-AF65-F5344CB8AC3E}">
-        <p14:creationId xmlns:p14="http://schemas.microsoft.com/office/powerpoint/2010/main" val="2046381332"/>
+        <p14:creationId xmlns:p14="http://schemas.microsoft.com/office/powerpoint/2010/main" val="874248919"/>
       </p:ext>
     </p:extLst>
   </p:cSld>
@@ -3807,10 +3717,10 @@
       </p:grpSpPr>
       <p:sp>
         <p:nvSpPr>
-          <p:cNvPr id="9" name="Title 8">
-            <a:extLst>
-              <a:ext uri="{FF2B5EF4-FFF2-40B4-BE49-F238E27FC236}">
-                <a16:creationId xmlns:a16="http://schemas.microsoft.com/office/drawing/2014/main" id="{86482CD7-2BBF-7A40-8B6A-2B4A7DC13918}"/>
+          <p:cNvPr id="4" name="Title 3">
+            <a:extLst>
+              <a:ext uri="{FF2B5EF4-FFF2-40B4-BE49-F238E27FC236}">
+                <a16:creationId xmlns:a16="http://schemas.microsoft.com/office/drawing/2014/main" id="{55EEDCC3-B6AC-774A-B3A6-87F25DBC39BC}"/>
               </a:ext>
             </a:extLst>
           </p:cNvPr>
@@ -3818,7 +3728,7 @@
             <a:spLocks noGrp="1"/>
           </p:cNvSpPr>
           <p:nvPr>
-            <p:ph type="title"/>
+            <p:ph type="ctrTitle"/>
           </p:nvPr>
         </p:nvSpPr>
         <p:spPr/>
@@ -3828,31 +3738,17 @@
           <a:p>
             <a:r>
               <a:rPr lang="en-US" dirty="0"/>
-              <a:t>Who</a:t>
-            </a:r>
-            <a:br>
-              <a:rPr lang="en-US" dirty="0"/>
-            </a:br>
-            <a:r>
-              <a:rPr lang="en-US" dirty="0"/>
-              <a:t>Am</a:t>
-            </a:r>
-            <a:br>
-              <a:rPr lang="en-US" dirty="0"/>
-            </a:br>
-            <a:r>
-              <a:rPr lang="en-US" dirty="0"/>
-              <a:t>I?</a:t>
-            </a:r>
-          </a:p>
-        </p:txBody>
-      </p:sp>
-      <p:sp>
-        <p:nvSpPr>
-          <p:cNvPr id="10" name="Content Placeholder 9">
-            <a:extLst>
-              <a:ext uri="{FF2B5EF4-FFF2-40B4-BE49-F238E27FC236}">
-                <a16:creationId xmlns:a16="http://schemas.microsoft.com/office/drawing/2014/main" id="{3E44BD7F-C301-B246-A837-5A9132AC45D8}"/>
+              <a:t>What’s Go?</a:t>
+            </a:r>
+          </a:p>
+        </p:txBody>
+      </p:sp>
+      <p:sp>
+        <p:nvSpPr>
+          <p:cNvPr id="5" name="Subtitle 4">
+            <a:extLst>
+              <a:ext uri="{FF2B5EF4-FFF2-40B4-BE49-F238E27FC236}">
+                <a16:creationId xmlns:a16="http://schemas.microsoft.com/office/drawing/2014/main" id="{CC98E4AE-FE4D-4441-BAD7-281A38C7A8B3}"/>
               </a:ext>
             </a:extLst>
           </p:cNvPr>
@@ -3860,7 +3756,7 @@
             <a:spLocks noGrp="1"/>
           </p:cNvSpPr>
           <p:nvPr>
-            <p:ph idx="1"/>
+            <p:ph type="subTitle" idx="1"/>
           </p:nvPr>
         </p:nvSpPr>
         <p:spPr/>
@@ -3868,66 +3764,14 @@
           <a:bodyPr/>
           <a:lstStyle/>
           <a:p>
-            <a:r>
-              <a:rPr lang="en-GB" b="1" dirty="0"/>
-              <a:t>Artur </a:t>
-            </a:r>
-            <a:r>
-              <a:rPr lang="en-GB" b="1" dirty="0" err="1"/>
-              <a:t>Kondas</a:t>
-            </a:r>
-            <a:endParaRPr lang="en-GB" b="1" dirty="0"/>
-          </a:p>
-          <a:p>
-            <a:endParaRPr lang="en-GB" b="1" dirty="0"/>
-          </a:p>
-          <a:p>
-            <a:pPr marL="457200" indent="-457200">
-              <a:buFont typeface="Arial" panose="020B0604020202020204" pitchFamily="34" charset="0"/>
-              <a:buChar char="•"/>
-            </a:pPr>
-            <a:r>
-              <a:rPr lang="en-GB" b="1" dirty="0"/>
-              <a:t>Go Developer @ ECS Digital</a:t>
-            </a:r>
-          </a:p>
-          <a:p>
-            <a:pPr marL="457200" indent="-457200">
-              <a:buFont typeface="Arial" panose="020B0604020202020204" pitchFamily="34" charset="0"/>
-              <a:buChar char="•"/>
-            </a:pPr>
-            <a:r>
-              <a:rPr lang="en-GB" b="1" dirty="0"/>
-              <a:t>Open Source</a:t>
-            </a:r>
-          </a:p>
-          <a:p>
-            <a:pPr marL="457200" indent="-457200">
-              <a:buFont typeface="Arial" panose="020B0604020202020204" pitchFamily="34" charset="0"/>
-              <a:buChar char="•"/>
-            </a:pPr>
-            <a:r>
-              <a:rPr lang="en-GB" b="1" dirty="0"/>
-              <a:t>Software Generalist</a:t>
-            </a:r>
-          </a:p>
-          <a:p>
-            <a:pPr marL="457200" indent="-457200">
-              <a:buFont typeface="Arial" panose="020B0604020202020204" pitchFamily="34" charset="0"/>
-              <a:buChar char="•"/>
-            </a:pPr>
-            <a:r>
-              <a:rPr lang="en-GB" b="1" dirty="0"/>
-              <a:t>Pizza</a:t>
-            </a:r>
-            <a:endParaRPr lang="en-GB" dirty="0"/>
+            <a:endParaRPr lang="en-US" dirty="0"/>
           </a:p>
         </p:txBody>
       </p:sp>
     </p:spTree>
     <p:extLst>
       <p:ext uri="{BB962C8B-B14F-4D97-AF65-F5344CB8AC3E}">
-        <p14:creationId xmlns:p14="http://schemas.microsoft.com/office/powerpoint/2010/main" val="1426288600"/>
+        <p14:creationId xmlns:p14="http://schemas.microsoft.com/office/powerpoint/2010/main" val="382650632"/>
       </p:ext>
     </p:extLst>
   </p:cSld>
@@ -3956,10 +3800,10 @@
       </p:grpSpPr>
       <p:sp>
         <p:nvSpPr>
-          <p:cNvPr id="4" name="Title 3">
-            <a:extLst>
-              <a:ext uri="{FF2B5EF4-FFF2-40B4-BE49-F238E27FC236}">
-                <a16:creationId xmlns:a16="http://schemas.microsoft.com/office/drawing/2014/main" id="{55EEDCC3-B6AC-774A-B3A6-87F25DBC39BC}"/>
+          <p:cNvPr id="9" name="Title 8">
+            <a:extLst>
+              <a:ext uri="{FF2B5EF4-FFF2-40B4-BE49-F238E27FC236}">
+                <a16:creationId xmlns:a16="http://schemas.microsoft.com/office/drawing/2014/main" id="{86482CD7-2BBF-7A40-8B6A-2B4A7DC13918}"/>
               </a:ext>
             </a:extLst>
           </p:cNvPr>
@@ -3967,7 +3811,7 @@
             <a:spLocks noGrp="1"/>
           </p:cNvSpPr>
           <p:nvPr>
-            <p:ph type="ctrTitle"/>
+            <p:ph type="title"/>
           </p:nvPr>
         </p:nvSpPr>
         <p:spPr/>
@@ -3984,10 +3828,10 @@
       </p:sp>
       <p:sp>
         <p:nvSpPr>
-          <p:cNvPr id="5" name="Subtitle 4">
-            <a:extLst>
-              <a:ext uri="{FF2B5EF4-FFF2-40B4-BE49-F238E27FC236}">
-                <a16:creationId xmlns:a16="http://schemas.microsoft.com/office/drawing/2014/main" id="{CC98E4AE-FE4D-4441-BAD7-281A38C7A8B3}"/>
+          <p:cNvPr id="10" name="Content Placeholder 9">
+            <a:extLst>
+              <a:ext uri="{FF2B5EF4-FFF2-40B4-BE49-F238E27FC236}">
+                <a16:creationId xmlns:a16="http://schemas.microsoft.com/office/drawing/2014/main" id="{3E44BD7F-C301-B246-A837-5A9132AC45D8}"/>
               </a:ext>
             </a:extLst>
           </p:cNvPr>
@@ -3995,7 +3839,7 @@
             <a:spLocks noGrp="1"/>
           </p:cNvSpPr>
           <p:nvPr>
-            <p:ph type="subTitle" idx="1"/>
+            <p:ph idx="1"/>
           </p:nvPr>
         </p:nvSpPr>
         <p:spPr/>
@@ -4003,14 +3847,43 @@
           <a:bodyPr/>
           <a:lstStyle/>
           <a:p>
-            <a:endParaRPr lang="en-US" dirty="0"/>
+            <a:r>
+              <a:rPr lang="en-GB" b="1" dirty="0"/>
+              <a:t>Go</a:t>
+            </a:r>
+            <a:r>
+              <a:rPr lang="en-GB" dirty="0"/>
+              <a:t> (or known also as </a:t>
+            </a:r>
+            <a:r>
+              <a:rPr lang="en-GB" b="1" dirty="0" err="1"/>
+              <a:t>golang</a:t>
+            </a:r>
+            <a:r>
+              <a:rPr lang="en-GB" dirty="0"/>
+              <a:t> because of it's domain) is a statically typed, compiled programming language designed at Google by Robert </a:t>
+            </a:r>
+            <a:r>
+              <a:rPr lang="en-GB" dirty="0" err="1"/>
+              <a:t>Griesemer</a:t>
+            </a:r>
+            <a:r>
+              <a:rPr lang="en-GB" dirty="0"/>
+              <a:t>, Rob Pike, and Ken Thompson.</a:t>
+            </a:r>
+          </a:p>
+          <a:p>
+            <a:r>
+              <a:rPr lang="en-GB" dirty="0"/>
+              <a:t>Nowadays Go is a backbone of multitude of DevOps tools - from Docker, to Terraform or Vault to Kubernetes. Also Prometheus, Helm, Loki, Grafana... The list goes on and on.</a:t>
+            </a:r>
           </a:p>
         </p:txBody>
       </p:sp>
     </p:spTree>
     <p:extLst>
       <p:ext uri="{BB962C8B-B14F-4D97-AF65-F5344CB8AC3E}">
-        <p14:creationId xmlns:p14="http://schemas.microsoft.com/office/powerpoint/2010/main" val="382650632"/>
+        <p14:creationId xmlns:p14="http://schemas.microsoft.com/office/powerpoint/2010/main" val="2753433835"/>
       </p:ext>
     </p:extLst>
   </p:cSld>
@@ -4039,10 +3912,10 @@
       </p:grpSpPr>
       <p:sp>
         <p:nvSpPr>
-          <p:cNvPr id="9" name="Title 8">
-            <a:extLst>
-              <a:ext uri="{FF2B5EF4-FFF2-40B4-BE49-F238E27FC236}">
-                <a16:creationId xmlns:a16="http://schemas.microsoft.com/office/drawing/2014/main" id="{86482CD7-2BBF-7A40-8B6A-2B4A7DC13918}"/>
+          <p:cNvPr id="4" name="Title 3">
+            <a:extLst>
+              <a:ext uri="{FF2B5EF4-FFF2-40B4-BE49-F238E27FC236}">
+                <a16:creationId xmlns:a16="http://schemas.microsoft.com/office/drawing/2014/main" id="{55EEDCC3-B6AC-774A-B3A6-87F25DBC39BC}"/>
               </a:ext>
             </a:extLst>
           </p:cNvPr>
@@ -4050,7 +3923,7 @@
             <a:spLocks noGrp="1"/>
           </p:cNvSpPr>
           <p:nvPr>
-            <p:ph type="title"/>
+            <p:ph type="ctrTitle"/>
           </p:nvPr>
         </p:nvSpPr>
         <p:spPr/>
@@ -4060,17 +3933,17 @@
           <a:p>
             <a:r>
               <a:rPr lang="en-US" dirty="0"/>
-              <a:t>What’s Go?</a:t>
-            </a:r>
-          </a:p>
-        </p:txBody>
-      </p:sp>
-      <p:sp>
-        <p:nvSpPr>
-          <p:cNvPr id="10" name="Content Placeholder 9">
-            <a:extLst>
-              <a:ext uri="{FF2B5EF4-FFF2-40B4-BE49-F238E27FC236}">
-                <a16:creationId xmlns:a16="http://schemas.microsoft.com/office/drawing/2014/main" id="{3E44BD7F-C301-B246-A837-5A9132AC45D8}"/>
+              <a:t>Why Go?</a:t>
+            </a:r>
+          </a:p>
+        </p:txBody>
+      </p:sp>
+      <p:sp>
+        <p:nvSpPr>
+          <p:cNvPr id="5" name="Subtitle 4">
+            <a:extLst>
+              <a:ext uri="{FF2B5EF4-FFF2-40B4-BE49-F238E27FC236}">
+                <a16:creationId xmlns:a16="http://schemas.microsoft.com/office/drawing/2014/main" id="{CC98E4AE-FE4D-4441-BAD7-281A38C7A8B3}"/>
               </a:ext>
             </a:extLst>
           </p:cNvPr>
@@ -4078,7 +3951,7 @@
             <a:spLocks noGrp="1"/>
           </p:cNvSpPr>
           <p:nvPr>
-            <p:ph idx="1"/>
+            <p:ph type="subTitle" idx="1"/>
           </p:nvPr>
         </p:nvSpPr>
         <p:spPr/>
@@ -4086,43 +3959,14 @@
           <a:bodyPr/>
           <a:lstStyle/>
           <a:p>
-            <a:r>
-              <a:rPr lang="en-GB" b="1" dirty="0"/>
-              <a:t>Go</a:t>
-            </a:r>
-            <a:r>
-              <a:rPr lang="en-GB" dirty="0"/>
-              <a:t> (or known also as </a:t>
-            </a:r>
-            <a:r>
-              <a:rPr lang="en-GB" b="1" dirty="0" err="1"/>
-              <a:t>golang</a:t>
-            </a:r>
-            <a:r>
-              <a:rPr lang="en-GB" dirty="0"/>
-              <a:t> because of it's domain) is a statically typed, compiled programming language designed at Google by Robert </a:t>
-            </a:r>
-            <a:r>
-              <a:rPr lang="en-GB" dirty="0" err="1"/>
-              <a:t>Griesemer</a:t>
-            </a:r>
-            <a:r>
-              <a:rPr lang="en-GB" dirty="0"/>
-              <a:t>, Rob Pike, and Ken Thompson.</a:t>
-            </a:r>
-          </a:p>
-          <a:p>
-            <a:r>
-              <a:rPr lang="en-GB" dirty="0"/>
-              <a:t>Nowadays Go is a backbone of multitude of DevOps tools - from Docker, to Terraform or Vault to Kubernetes. Also Prometheus, Helm, Loki, Grafana... The list goes on and on.</a:t>
-            </a:r>
+            <a:endParaRPr lang="en-US" dirty="0"/>
           </a:p>
         </p:txBody>
       </p:sp>
     </p:spTree>
     <p:extLst>
       <p:ext uri="{BB962C8B-B14F-4D97-AF65-F5344CB8AC3E}">
-        <p14:creationId xmlns:p14="http://schemas.microsoft.com/office/powerpoint/2010/main" val="2753433835"/>
+        <p14:creationId xmlns:p14="http://schemas.microsoft.com/office/powerpoint/2010/main" val="2865321129"/>
       </p:ext>
     </p:extLst>
   </p:cSld>
@@ -4151,10 +3995,10 @@
       </p:grpSpPr>
       <p:sp>
         <p:nvSpPr>
-          <p:cNvPr id="4" name="Title 3">
-            <a:extLst>
-              <a:ext uri="{FF2B5EF4-FFF2-40B4-BE49-F238E27FC236}">
-                <a16:creationId xmlns:a16="http://schemas.microsoft.com/office/drawing/2014/main" id="{55EEDCC3-B6AC-774A-B3A6-87F25DBC39BC}"/>
+          <p:cNvPr id="9" name="Title 8">
+            <a:extLst>
+              <a:ext uri="{FF2B5EF4-FFF2-40B4-BE49-F238E27FC236}">
+                <a16:creationId xmlns:a16="http://schemas.microsoft.com/office/drawing/2014/main" id="{86482CD7-2BBF-7A40-8B6A-2B4A7DC13918}"/>
               </a:ext>
             </a:extLst>
           </p:cNvPr>
@@ -4162,7 +4006,7 @@
             <a:spLocks noGrp="1"/>
           </p:cNvSpPr>
           <p:nvPr>
-            <p:ph type="ctrTitle"/>
+            <p:ph type="title"/>
           </p:nvPr>
         </p:nvSpPr>
         <p:spPr/>
@@ -4179,10 +4023,10 @@
       </p:sp>
       <p:sp>
         <p:nvSpPr>
-          <p:cNvPr id="5" name="Subtitle 4">
-            <a:extLst>
-              <a:ext uri="{FF2B5EF4-FFF2-40B4-BE49-F238E27FC236}">
-                <a16:creationId xmlns:a16="http://schemas.microsoft.com/office/drawing/2014/main" id="{CC98E4AE-FE4D-4441-BAD7-281A38C7A8B3}"/>
+          <p:cNvPr id="10" name="Content Placeholder 9">
+            <a:extLst>
+              <a:ext uri="{FF2B5EF4-FFF2-40B4-BE49-F238E27FC236}">
+                <a16:creationId xmlns:a16="http://schemas.microsoft.com/office/drawing/2014/main" id="{3E44BD7F-C301-B246-A837-5A9132AC45D8}"/>
               </a:ext>
             </a:extLst>
           </p:cNvPr>
@@ -4190,22 +4034,61 @@
             <a:spLocks noGrp="1"/>
           </p:cNvSpPr>
           <p:nvPr>
-            <p:ph type="subTitle" idx="1"/>
+            <p:ph idx="1"/>
           </p:nvPr>
         </p:nvSpPr>
         <p:spPr/>
         <p:txBody>
-          <a:bodyPr/>
+          <a:bodyPr>
+            <a:normAutofit/>
+          </a:bodyPr>
           <a:lstStyle/>
           <a:p>
-            <a:endParaRPr lang="en-US" dirty="0"/>
+            <a:pPr marL="457200" indent="-457200">
+              <a:buFont typeface="Arial" panose="020B0604020202020204" pitchFamily="34" charset="0"/>
+              <a:buChar char="•"/>
+            </a:pPr>
+            <a:r>
+              <a:rPr lang="en-GB" dirty="0"/>
+              <a:t>Stellar programming language</a:t>
+            </a:r>
+          </a:p>
+          <a:p>
+            <a:pPr marL="457200" indent="-457200">
+              <a:buFont typeface="Arial" panose="020B0604020202020204" pitchFamily="34" charset="0"/>
+              <a:buChar char="•"/>
+            </a:pPr>
+            <a:r>
+              <a:rPr lang="en-GB" dirty="0"/>
+              <a:t>Type safety</a:t>
+            </a:r>
+          </a:p>
+          <a:p>
+            <a:pPr marL="457200" indent="-457200">
+              <a:buFont typeface="Arial" panose="020B0604020202020204" pitchFamily="34" charset="0"/>
+              <a:buChar char="•"/>
+            </a:pPr>
+            <a:r>
+              <a:rPr lang="en-GB" dirty="0"/>
+              <a:t>Ultra-high performance</a:t>
+            </a:r>
+          </a:p>
+          <a:p>
+            <a:pPr marL="457200" indent="-457200">
+              <a:buFont typeface="Arial" panose="020B0604020202020204" pitchFamily="34" charset="0"/>
+              <a:buChar char="•"/>
+            </a:pPr>
+            <a:r>
+              <a:rPr lang="en-GB" dirty="0"/>
+              <a:t>Ace documentation</a:t>
+            </a:r>
           </a:p>
         </p:txBody>
       </p:sp>
     </p:spTree>
     <p:extLst>
       <p:ext uri="{BB962C8B-B14F-4D97-AF65-F5344CB8AC3E}">
-        <p14:creationId xmlns:p14="http://schemas.microsoft.com/office/powerpoint/2010/main" val="2865321129"/>
+        <p14:creationId xmlns:p14="http://schemas.microsoft.com/office/powerpoint/2010/main" val="3305000323"/>
       </p:ext>
     </p:extLst>
   </p:cSld>
@@ -4234,10 +4117,10 @@
       </p:grpSpPr>
       <p:sp>
         <p:nvSpPr>
-          <p:cNvPr id="9" name="Title 8">
-            <a:extLst>
-              <a:ext uri="{FF2B5EF4-FFF2-40B4-BE49-F238E27FC236}">
-                <a16:creationId xmlns:a16="http://schemas.microsoft.com/office/drawing/2014/main" id="{86482CD7-2BBF-7A40-8B6A-2B4A7DC13918}"/>
+          <p:cNvPr id="4" name="Title 3">
+            <a:extLst>
+              <a:ext uri="{FF2B5EF4-FFF2-40B4-BE49-F238E27FC236}">
+                <a16:creationId xmlns:a16="http://schemas.microsoft.com/office/drawing/2014/main" id="{2E2B2ABD-F3FB-CC49-BA43-F7C575DD41BE}"/>
               </a:ext>
             </a:extLst>
           </p:cNvPr>
@@ -4245,27 +4128,34 @@
             <a:spLocks noGrp="1"/>
           </p:cNvSpPr>
           <p:nvPr>
-            <p:ph type="title"/>
+            <p:ph type="ctrTitle"/>
           </p:nvPr>
         </p:nvSpPr>
-        <p:spPr/>
-        <p:txBody>
-          <a:bodyPr/>
+        <p:spPr>
+          <a:xfrm>
+            <a:off x="1524000" y="1041400"/>
+            <a:ext cx="9144000" cy="2387600"/>
+          </a:xfrm>
+        </p:spPr>
+        <p:txBody>
+          <a:bodyPr>
+            <a:normAutofit/>
+          </a:bodyPr>
           <a:lstStyle/>
           <a:p>
             <a:r>
-              <a:rPr lang="en-US" dirty="0"/>
-              <a:t>Why Go?</a:t>
-            </a:r>
-          </a:p>
-        </p:txBody>
-      </p:sp>
-      <p:sp>
-        <p:nvSpPr>
-          <p:cNvPr id="10" name="Content Placeholder 9">
-            <a:extLst>
-              <a:ext uri="{FF2B5EF4-FFF2-40B4-BE49-F238E27FC236}">
-                <a16:creationId xmlns:a16="http://schemas.microsoft.com/office/drawing/2014/main" id="{3E44BD7F-C301-B246-A837-5A9132AC45D8}"/>
+              <a:rPr lang="en-US" sz="7200" dirty="0"/>
+              <a:t>     Thank you</a:t>
+            </a:r>
+          </a:p>
+        </p:txBody>
+      </p:sp>
+      <p:sp>
+        <p:nvSpPr>
+          <p:cNvPr id="5" name="Subtitle 4">
+            <a:extLst>
+              <a:ext uri="{FF2B5EF4-FFF2-40B4-BE49-F238E27FC236}">
+                <a16:creationId xmlns:a16="http://schemas.microsoft.com/office/drawing/2014/main" id="{8E02B9BF-0B33-1749-9A07-D42508A9A719}"/>
               </a:ext>
             </a:extLst>
           </p:cNvPr>
@@ -4273,61 +4163,62 @@
             <a:spLocks noGrp="1"/>
           </p:cNvSpPr>
           <p:nvPr>
-            <p:ph idx="1"/>
+            <p:ph type="subTitle" idx="1"/>
           </p:nvPr>
         </p:nvSpPr>
-        <p:spPr/>
+        <p:spPr>
+          <a:xfrm>
+            <a:off x="1524000" y="3382759"/>
+            <a:ext cx="9144000" cy="1655762"/>
+          </a:xfrm>
+        </p:spPr>
         <p:txBody>
           <a:bodyPr>
             <a:normAutofit/>
           </a:bodyPr>
           <a:lstStyle/>
           <a:p>
-            <a:pPr marL="457200" indent="-457200">
-              <a:buFont typeface="Arial" panose="020B0604020202020204" pitchFamily="34" charset="0"/>
-              <a:buChar char="•"/>
-            </a:pPr>
-            <a:r>
-              <a:rPr lang="en-GB" dirty="0"/>
-              <a:t>Stellar programming language</a:t>
-            </a:r>
-          </a:p>
-          <a:p>
-            <a:pPr marL="457200" indent="-457200">
-              <a:buFont typeface="Arial" panose="020B0604020202020204" pitchFamily="34" charset="0"/>
-              <a:buChar char="•"/>
-            </a:pPr>
-            <a:r>
-              <a:rPr lang="en-GB" dirty="0"/>
-              <a:t>Type safety</a:t>
-            </a:r>
-          </a:p>
-          <a:p>
-            <a:pPr marL="457200" indent="-457200">
-              <a:buFont typeface="Arial" panose="020B0604020202020204" pitchFamily="34" charset="0"/>
-              <a:buChar char="•"/>
-            </a:pPr>
-            <a:r>
-              <a:rPr lang="en-GB" dirty="0"/>
-              <a:t>Ultra-high performance</a:t>
-            </a:r>
-          </a:p>
-          <a:p>
-            <a:pPr marL="457200" indent="-457200">
-              <a:buFont typeface="Arial" panose="020B0604020202020204" pitchFamily="34" charset="0"/>
-              <a:buChar char="•"/>
-            </a:pPr>
-            <a:r>
-              <a:rPr lang="en-GB" dirty="0"/>
-              <a:t>Ace documentation</a:t>
-            </a:r>
-          </a:p>
-        </p:txBody>
-      </p:sp>
+            <a:r>
+              <a:rPr lang="en-US" sz="3100" dirty="0"/>
+              <a:t>Any questions? Stay for a chat!</a:t>
+            </a:r>
+          </a:p>
+        </p:txBody>
+      </p:sp>
+      <p:pic>
+        <p:nvPicPr>
+          <p:cNvPr id="6" name="Picture 5">
+            <a:extLst>
+              <a:ext uri="{FF2B5EF4-FFF2-40B4-BE49-F238E27FC236}">
+                <a16:creationId xmlns:a16="http://schemas.microsoft.com/office/drawing/2014/main" id="{95BBB9EE-7630-294F-B5F3-59D07A16EF67}"/>
+              </a:ext>
+            </a:extLst>
+          </p:cNvPr>
+          <p:cNvPicPr>
+            <a:picLocks noChangeAspect="1"/>
+          </p:cNvPicPr>
+          <p:nvPr/>
+        </p:nvPicPr>
+        <p:blipFill>
+          <a:blip r:embed="rId2"/>
+          <a:stretch>
+            <a:fillRect/>
+          </a:stretch>
+        </p:blipFill>
+        <p:spPr>
+          <a:xfrm>
+            <a:off x="3420534" y="1213709"/>
+            <a:ext cx="1546884" cy="2215291"/>
+          </a:xfrm>
+          <a:prstGeom prst="rect">
+            <a:avLst/>
+          </a:prstGeom>
+        </p:spPr>
+      </p:pic>
     </p:spTree>
     <p:extLst>
       <p:ext uri="{BB962C8B-B14F-4D97-AF65-F5344CB8AC3E}">
-        <p14:creationId xmlns:p14="http://schemas.microsoft.com/office/powerpoint/2010/main" val="3305000323"/>
+        <p14:creationId xmlns:p14="http://schemas.microsoft.com/office/powerpoint/2010/main" val="387595175"/>
       </p:ext>
     </p:extLst>
   </p:cSld>
@@ -4944,12 +4835,9 @@
 </file>
 
 <file path=customXml/item1.xml><?xml version="1.0" encoding="utf-8"?>
-<?mso-contentType ?>
-<FormTemplates xmlns="http://schemas.microsoft.com/sharepoint/v3/contenttype/forms">
-  <Display>DocumentLibraryForm</Display>
-  <Edit>DocumentLibraryForm</Edit>
-  <New>DocumentLibraryForm</New>
-</FormTemplates>
+<p:properties xmlns:p="http://schemas.microsoft.com/office/2006/metadata/properties" xmlns:xsi="http://www.w3.org/2001/XMLSchema-instance" xmlns:pc="http://schemas.microsoft.com/office/infopath/2007/PartnerControls">
+  <documentManagement/>
+</p:properties>
 </file>
 
 <file path=customXml/item2.xml><?xml version="1.0" encoding="utf-8"?>
@@ -5144,15 +5032,19 @@
 </file>
 
 <file path=customXml/item3.xml><?xml version="1.0" encoding="utf-8"?>
-<p:properties xmlns:p="http://schemas.microsoft.com/office/2006/metadata/properties" xmlns:xsi="http://www.w3.org/2001/XMLSchema-instance" xmlns:pc="http://schemas.microsoft.com/office/infopath/2007/PartnerControls">
-  <documentManagement/>
-</p:properties>
+<?mso-contentType ?>
+<FormTemplates xmlns="http://schemas.microsoft.com/sharepoint/v3/contenttype/forms">
+  <Display>DocumentLibraryForm</Display>
+  <Edit>DocumentLibraryForm</Edit>
+  <New>DocumentLibraryForm</New>
+</FormTemplates>
 </file>
 
 <file path=customXml/itemProps1.xml><?xml version="1.0" encoding="utf-8"?>
-<ds:datastoreItem xmlns:ds="http://schemas.openxmlformats.org/officeDocument/2006/customXml" ds:itemID="{40902662-26C2-4821-A231-BAF4C199D77B}">
+<ds:datastoreItem xmlns:ds="http://schemas.openxmlformats.org/officeDocument/2006/customXml" ds:itemID="{0945FB79-9F84-4AA7-8515-C81FE5A311BA}">
   <ds:schemaRefs>
-    <ds:schemaRef ds:uri="http://schemas.microsoft.com/sharepoint/v3/contenttype/forms"/>
+    <ds:schemaRef ds:uri="http://schemas.microsoft.com/office/2006/metadata/properties"/>
+    <ds:schemaRef ds:uri="http://schemas.microsoft.com/office/infopath/2007/PartnerControls"/>
   </ds:schemaRefs>
 </ds:datastoreItem>
 </file>
@@ -5177,10 +5069,9 @@
 </file>
 
 <file path=customXml/itemProps3.xml><?xml version="1.0" encoding="utf-8"?>
-<ds:datastoreItem xmlns:ds="http://schemas.openxmlformats.org/officeDocument/2006/customXml" ds:itemID="{0945FB79-9F84-4AA7-8515-C81FE5A311BA}">
+<ds:datastoreItem xmlns:ds="http://schemas.openxmlformats.org/officeDocument/2006/customXml" ds:itemID="{40902662-26C2-4821-A231-BAF4C199D77B}">
   <ds:schemaRefs>
-    <ds:schemaRef ds:uri="http://schemas.microsoft.com/office/2006/metadata/properties"/>
-    <ds:schemaRef ds:uri="http://schemas.microsoft.com/office/infopath/2007/PartnerControls"/>
+    <ds:schemaRef ds:uri="http://schemas.microsoft.com/sharepoint/v3/contenttype/forms"/>
   </ds:schemaRefs>
 </ds:datastoreItem>
 </file>